--- a/src/main/resources/static/xls/涅盘重生每日分析.pptx
+++ b/src/main/resources/static/xls/涅盘重生每日分析.pptx
@@ -7,15 +7,16 @@
   <p:sldIdLst>
     <p:sldId id="257" r:id="rId2"/>
     <p:sldId id="262" r:id="rId3"/>
-    <p:sldId id="256" r:id="rId4"/>
-    <p:sldId id="258" r:id="rId5"/>
-    <p:sldId id="259" r:id="rId6"/>
-    <p:sldId id="260" r:id="rId7"/>
-    <p:sldId id="261" r:id="rId8"/>
-    <p:sldId id="263" r:id="rId9"/>
-    <p:sldId id="264" r:id="rId10"/>
-    <p:sldId id="265" r:id="rId11"/>
-    <p:sldId id="266" r:id="rId12"/>
+    <p:sldId id="267" r:id="rId4"/>
+    <p:sldId id="256" r:id="rId5"/>
+    <p:sldId id="258" r:id="rId6"/>
+    <p:sldId id="259" r:id="rId7"/>
+    <p:sldId id="260" r:id="rId8"/>
+    <p:sldId id="261" r:id="rId9"/>
+    <p:sldId id="263" r:id="rId10"/>
+    <p:sldId id="264" r:id="rId11"/>
+    <p:sldId id="265" r:id="rId12"/>
+    <p:sldId id="266" r:id="rId13"/>
   </p:sldIdLst>
   <p:sldSz cx="9144000" cy="6858000" type="screen4x3"/>
   <p:notesSz cx="6858000" cy="9144000"/>
@@ -299,7 +300,7 @@
             <a:fld id="{1D74793D-2D1C-43F0-9B65-C44AEF2BB4E3}" type="datetimeFigureOut">
               <a:rPr lang="zh-CN" altLang="en-US" smtClean="0"/>
               <a:pPr/>
-              <a:t>2020/4/8</a:t>
+              <a:t>2020/5/6</a:t>
             </a:fld>
             <a:endParaRPr lang="zh-CN" altLang="en-US"/>
           </a:p>
@@ -466,7 +467,7 @@
             <a:fld id="{1D74793D-2D1C-43F0-9B65-C44AEF2BB4E3}" type="datetimeFigureOut">
               <a:rPr lang="zh-CN" altLang="en-US" smtClean="0"/>
               <a:pPr/>
-              <a:t>2020/4/8</a:t>
+              <a:t>2020/5/6</a:t>
             </a:fld>
             <a:endParaRPr lang="zh-CN" altLang="en-US"/>
           </a:p>
@@ -643,7 +644,7 @@
             <a:fld id="{1D74793D-2D1C-43F0-9B65-C44AEF2BB4E3}" type="datetimeFigureOut">
               <a:rPr lang="zh-CN" altLang="en-US" smtClean="0"/>
               <a:pPr/>
-              <a:t>2020/4/8</a:t>
+              <a:t>2020/5/6</a:t>
             </a:fld>
             <a:endParaRPr lang="zh-CN" altLang="en-US"/>
           </a:p>
@@ -810,7 +811,7 @@
             <a:fld id="{1D74793D-2D1C-43F0-9B65-C44AEF2BB4E3}" type="datetimeFigureOut">
               <a:rPr lang="zh-CN" altLang="en-US" smtClean="0"/>
               <a:pPr/>
-              <a:t>2020/4/8</a:t>
+              <a:t>2020/5/6</a:t>
             </a:fld>
             <a:endParaRPr lang="zh-CN" altLang="en-US"/>
           </a:p>
@@ -1053,7 +1054,7 @@
             <a:fld id="{1D74793D-2D1C-43F0-9B65-C44AEF2BB4E3}" type="datetimeFigureOut">
               <a:rPr lang="zh-CN" altLang="en-US" smtClean="0"/>
               <a:pPr/>
-              <a:t>2020/4/8</a:t>
+              <a:t>2020/5/6</a:t>
             </a:fld>
             <a:endParaRPr lang="zh-CN" altLang="en-US"/>
           </a:p>
@@ -1338,7 +1339,7 @@
             <a:fld id="{1D74793D-2D1C-43F0-9B65-C44AEF2BB4E3}" type="datetimeFigureOut">
               <a:rPr lang="zh-CN" altLang="en-US" smtClean="0"/>
               <a:pPr/>
-              <a:t>2020/4/8</a:t>
+              <a:t>2020/5/6</a:t>
             </a:fld>
             <a:endParaRPr lang="zh-CN" altLang="en-US"/>
           </a:p>
@@ -1757,7 +1758,7 @@
             <a:fld id="{1D74793D-2D1C-43F0-9B65-C44AEF2BB4E3}" type="datetimeFigureOut">
               <a:rPr lang="zh-CN" altLang="en-US" smtClean="0"/>
               <a:pPr/>
-              <a:t>2020/4/8</a:t>
+              <a:t>2020/5/6</a:t>
             </a:fld>
             <a:endParaRPr lang="zh-CN" altLang="en-US"/>
           </a:p>
@@ -1872,7 +1873,7 @@
             <a:fld id="{1D74793D-2D1C-43F0-9B65-C44AEF2BB4E3}" type="datetimeFigureOut">
               <a:rPr lang="zh-CN" altLang="en-US" smtClean="0"/>
               <a:pPr/>
-              <a:t>2020/4/8</a:t>
+              <a:t>2020/5/6</a:t>
             </a:fld>
             <a:endParaRPr lang="zh-CN" altLang="en-US"/>
           </a:p>
@@ -1964,7 +1965,7 @@
             <a:fld id="{1D74793D-2D1C-43F0-9B65-C44AEF2BB4E3}" type="datetimeFigureOut">
               <a:rPr lang="zh-CN" altLang="en-US" smtClean="0"/>
               <a:pPr/>
-              <a:t>2020/4/8</a:t>
+              <a:t>2020/5/6</a:t>
             </a:fld>
             <a:endParaRPr lang="zh-CN" altLang="en-US"/>
           </a:p>
@@ -2238,7 +2239,7 @@
             <a:fld id="{1D74793D-2D1C-43F0-9B65-C44AEF2BB4E3}" type="datetimeFigureOut">
               <a:rPr lang="zh-CN" altLang="en-US" smtClean="0"/>
               <a:pPr/>
-              <a:t>2020/4/8</a:t>
+              <a:t>2020/5/6</a:t>
             </a:fld>
             <a:endParaRPr lang="zh-CN" altLang="en-US"/>
           </a:p>
@@ -2488,7 +2489,7 @@
             <a:fld id="{1D74793D-2D1C-43F0-9B65-C44AEF2BB4E3}" type="datetimeFigureOut">
               <a:rPr lang="zh-CN" altLang="en-US" smtClean="0"/>
               <a:pPr/>
-              <a:t>2020/4/8</a:t>
+              <a:t>2020/5/6</a:t>
             </a:fld>
             <a:endParaRPr lang="zh-CN" altLang="en-US"/>
           </a:p>
@@ -2698,7 +2699,7 @@
             <a:fld id="{1D74793D-2D1C-43F0-9B65-C44AEF2BB4E3}" type="datetimeFigureOut">
               <a:rPr lang="zh-CN" altLang="en-US" smtClean="0"/>
               <a:pPr/>
-              <a:t>2020/4/8</a:t>
+              <a:t>2020/5/6</a:t>
             </a:fld>
             <a:endParaRPr lang="zh-CN" altLang="en-US"/>
           </a:p>
@@ -3694,7 +3695,7 @@
       </p:grpSpPr>
       <p:pic>
         <p:nvPicPr>
-          <p:cNvPr id="3074" name="Picture 2" descr="C:\Users\pc\AppData\Local\Temp\WeChat Files\d024a2d9da9a04264b86e1ba3d283d6.jpg"/>
+          <p:cNvPr id="2050" name="Picture 2" descr="C:\Users\pc\AppData\Local\Temp\WeChat Files\c68468ae7e75b4285aab51e86382051.jpg"/>
           <p:cNvPicPr>
             <a:picLocks noChangeAspect="1" noChangeArrowheads="1"/>
           </p:cNvPicPr>
@@ -3702,25 +3703,20 @@
         </p:nvPicPr>
         <p:blipFill>
           <a:blip r:embed="rId2"/>
-          <a:srcRect t="10416" b="11458"/>
+          <a:srcRect t="35417" b="1041"/>
           <a:stretch>
             <a:fillRect/>
           </a:stretch>
         </p:blipFill>
         <p:spPr bwMode="auto">
           <a:xfrm>
-            <a:off x="45915" y="642918"/>
-            <a:ext cx="3168763" cy="5357850"/>
+            <a:off x="0" y="17732"/>
+            <a:ext cx="2143108" cy="6835583"/>
           </a:xfrm>
           <a:prstGeom prst="rect">
             <a:avLst/>
           </a:prstGeom>
           <a:noFill/>
-          <a:ln>
-            <a:solidFill>
-              <a:schemeClr val="accent2"/>
-            </a:solidFill>
-          </a:ln>
         </p:spPr>
       </p:pic>
       <p:sp>
@@ -3731,8 +3727,8 @@
         </p:nvSpPr>
         <p:spPr>
           <a:xfrm>
-            <a:off x="7000892" y="0"/>
-            <a:ext cx="2143108" cy="428604"/>
+            <a:off x="6715140" y="0"/>
+            <a:ext cx="2428860" cy="428604"/>
           </a:xfrm>
           <a:prstGeom prst="rect">
             <a:avLst/>
@@ -3759,7 +3755,7 @@
             <a:pPr algn="ctr"/>
             <a:r>
               <a:rPr lang="zh-CN" altLang="en-US" b="1" dirty="0" smtClean="0"/>
-              <a:t>波动的价值</a:t>
+              <a:t>强的加速，弱的反包</a:t>
             </a:r>
             <a:endParaRPr lang="zh-CN" altLang="en-US" b="1" dirty="0"/>
           </a:p>
@@ -3773,67 +3769,28 @@
         </p:nvSpPr>
         <p:spPr>
           <a:xfrm>
-            <a:off x="5286380" y="1214422"/>
-            <a:ext cx="1071570" cy="607430"/>
-          </a:xfrm>
-          <a:prstGeom prst="rect">
-            <a:avLst/>
-          </a:prstGeom>
-        </p:spPr>
-        <p:style>
-          <a:lnRef idx="3">
-            <a:schemeClr val="lt1"/>
+            <a:off x="71406" y="4143380"/>
+            <a:ext cx="2000264" cy="714380"/>
+          </a:xfrm>
+          <a:prstGeom prst="rect">
+            <a:avLst/>
+          </a:prstGeom>
+          <a:noFill/>
+        </p:spPr>
+        <p:style>
+          <a:lnRef idx="2">
+            <a:schemeClr val="accent1">
+              <a:shade val="50000"/>
+            </a:schemeClr>
           </a:lnRef>
           <a:fillRef idx="1">
-            <a:schemeClr val="accent6"/>
-          </a:fillRef>
-          <a:effectRef idx="1">
-            <a:schemeClr val="accent6"/>
-          </a:effectRef>
-          <a:fontRef idx="minor">
-            <a:schemeClr val="lt1"/>
-          </a:fontRef>
-        </p:style>
-        <p:txBody>
-          <a:bodyPr rtlCol="0" anchor="ctr"/>
-          <a:lstStyle/>
-          <a:p>
-            <a:r>
-              <a:rPr lang="zh-CN" altLang="en-US" sz="1200" dirty="0" smtClean="0"/>
-              <a:t>波动的价值</a:t>
-            </a:r>
-            <a:endParaRPr lang="en-US" altLang="zh-CN" sz="1200" dirty="0" smtClean="0"/>
-          </a:p>
-        </p:txBody>
-      </p:sp>
-      <p:sp>
-        <p:nvSpPr>
-          <p:cNvPr id="7" name="矩形 6"/>
-          <p:cNvSpPr/>
-          <p:nvPr/>
-        </p:nvSpPr>
-        <p:spPr>
-          <a:xfrm>
-            <a:off x="428596" y="1303616"/>
-            <a:ext cx="2714644" cy="928694"/>
-          </a:xfrm>
-          <a:prstGeom prst="rect">
-            <a:avLst/>
-          </a:prstGeom>
-          <a:noFill/>
-        </p:spPr>
-        <p:style>
-          <a:lnRef idx="2">
-            <a:schemeClr val="accent2"/>
-          </a:lnRef>
-          <a:fillRef idx="1">
-            <a:schemeClr val="lt1"/>
+            <a:schemeClr val="accent1"/>
           </a:fillRef>
           <a:effectRef idx="0">
-            <a:schemeClr val="accent2"/>
-          </a:effectRef>
-          <a:fontRef idx="minor">
-            <a:schemeClr val="dk1"/>
+            <a:schemeClr val="accent1"/>
+          </a:effectRef>
+          <a:fontRef idx="minor">
+            <a:schemeClr val="lt1"/>
           </a:fontRef>
         </p:style>
         <p:txBody>
@@ -3845,19 +3802,336 @@
           </a:p>
         </p:txBody>
       </p:sp>
+      <p:sp>
+        <p:nvSpPr>
+          <p:cNvPr id="8" name="矩形 7"/>
+          <p:cNvSpPr/>
+          <p:nvPr/>
+        </p:nvSpPr>
+        <p:spPr>
+          <a:xfrm>
+            <a:off x="3929058" y="5080952"/>
+            <a:ext cx="2643206" cy="785818"/>
+          </a:xfrm>
+          <a:prstGeom prst="rect">
+            <a:avLst/>
+          </a:prstGeom>
+        </p:spPr>
+        <p:style>
+          <a:lnRef idx="3">
+            <a:schemeClr val="lt1"/>
+          </a:lnRef>
+          <a:fillRef idx="1">
+            <a:schemeClr val="accent6"/>
+          </a:fillRef>
+          <a:effectRef idx="1">
+            <a:schemeClr val="accent6"/>
+          </a:effectRef>
+          <a:fontRef idx="minor">
+            <a:schemeClr val="lt1"/>
+          </a:fontRef>
+        </p:style>
+        <p:txBody>
+          <a:bodyPr rtlCol="0" anchor="ctr"/>
+          <a:lstStyle/>
+          <a:p>
+            <a:r>
+              <a:rPr lang="zh-CN" altLang="en-US" sz="1200" dirty="0" smtClean="0"/>
+              <a:t>情绪弱</a:t>
+            </a:r>
+            <a:r>
+              <a:rPr lang="en-US" altLang="zh-CN" sz="1200" dirty="0" smtClean="0"/>
+              <a:t>(</a:t>
+            </a:r>
+            <a:r>
+              <a:rPr lang="zh-CN" altLang="en-US" sz="1200" dirty="0" smtClean="0"/>
+              <a:t>盘面观察</a:t>
+            </a:r>
+            <a:r>
+              <a:rPr lang="en-US" altLang="zh-CN" sz="1200" dirty="0" smtClean="0"/>
+              <a:t>)</a:t>
+            </a:r>
+          </a:p>
+          <a:p>
+            <a:r>
+              <a:rPr lang="zh-CN" altLang="en-US" sz="1200" dirty="0" smtClean="0"/>
+              <a:t>弱的加速杀跌 强的补跌 指数恐慌杀跌 指数低点共振 看清谁最强</a:t>
+            </a:r>
+            <a:endParaRPr lang="en-US" altLang="zh-CN" sz="1200" dirty="0" smtClean="0"/>
+          </a:p>
+        </p:txBody>
+      </p:sp>
+      <p:sp>
+        <p:nvSpPr>
+          <p:cNvPr id="9" name="矩形 8"/>
+          <p:cNvSpPr/>
+          <p:nvPr/>
+        </p:nvSpPr>
+        <p:spPr>
+          <a:xfrm>
+            <a:off x="3929058" y="4197062"/>
+            <a:ext cx="1571636" cy="607430"/>
+          </a:xfrm>
+          <a:prstGeom prst="rect">
+            <a:avLst/>
+          </a:prstGeom>
+        </p:spPr>
+        <p:style>
+          <a:lnRef idx="3">
+            <a:schemeClr val="lt1"/>
+          </a:lnRef>
+          <a:fillRef idx="1">
+            <a:schemeClr val="accent6"/>
+          </a:fillRef>
+          <a:effectRef idx="1">
+            <a:schemeClr val="accent6"/>
+          </a:effectRef>
+          <a:fontRef idx="minor">
+            <a:schemeClr val="lt1"/>
+          </a:fontRef>
+        </p:style>
+        <p:txBody>
+          <a:bodyPr rtlCol="0" anchor="ctr"/>
+          <a:lstStyle/>
+          <a:p>
+            <a:r>
+              <a:rPr lang="zh-CN" altLang="en-US" sz="1200" dirty="0" smtClean="0"/>
+              <a:t>情绪强</a:t>
+            </a:r>
+            <a:r>
+              <a:rPr lang="en-US" altLang="zh-CN" sz="1200" dirty="0" smtClean="0"/>
+              <a:t>(</a:t>
+            </a:r>
+            <a:r>
+              <a:rPr lang="zh-CN" altLang="en-US" sz="1200" dirty="0" smtClean="0"/>
+              <a:t>盘面观察</a:t>
+            </a:r>
+            <a:r>
+              <a:rPr lang="en-US" altLang="zh-CN" sz="1200" dirty="0" smtClean="0"/>
+              <a:t>)</a:t>
+            </a:r>
+          </a:p>
+          <a:p>
+            <a:r>
+              <a:rPr lang="zh-CN" altLang="en-US" sz="1200" dirty="0" smtClean="0"/>
+              <a:t>强的加速 弱的反包</a:t>
+            </a:r>
+            <a:endParaRPr lang="en-US" altLang="zh-CN" sz="1200" dirty="0" smtClean="0"/>
+          </a:p>
+        </p:txBody>
+      </p:sp>
+      <p:sp>
+        <p:nvSpPr>
+          <p:cNvPr id="10" name="矩形 9"/>
+          <p:cNvSpPr/>
+          <p:nvPr/>
+        </p:nvSpPr>
+        <p:spPr>
+          <a:xfrm>
+            <a:off x="62146" y="4938076"/>
+            <a:ext cx="2000264" cy="1071570"/>
+          </a:xfrm>
+          <a:prstGeom prst="rect">
+            <a:avLst/>
+          </a:prstGeom>
+          <a:noFill/>
+        </p:spPr>
+        <p:style>
+          <a:lnRef idx="2">
+            <a:schemeClr val="accent1">
+              <a:shade val="50000"/>
+            </a:schemeClr>
+          </a:lnRef>
+          <a:fillRef idx="1">
+            <a:schemeClr val="accent1"/>
+          </a:fillRef>
+          <a:effectRef idx="0">
+            <a:schemeClr val="accent1"/>
+          </a:effectRef>
+          <a:fontRef idx="minor">
+            <a:schemeClr val="lt1"/>
+          </a:fontRef>
+        </p:style>
+        <p:txBody>
+          <a:bodyPr rtlCol="0" anchor="ctr"/>
+          <a:lstStyle/>
+          <a:p>
+            <a:pPr algn="ctr"/>
+            <a:endParaRPr lang="zh-CN" altLang="en-US"/>
+          </a:p>
+        </p:txBody>
+      </p:sp>
+      <p:sp>
+        <p:nvSpPr>
+          <p:cNvPr id="11" name="矩形 10"/>
+          <p:cNvSpPr/>
+          <p:nvPr/>
+        </p:nvSpPr>
+        <p:spPr>
+          <a:xfrm>
+            <a:off x="71406" y="6125474"/>
+            <a:ext cx="2000264" cy="714380"/>
+          </a:xfrm>
+          <a:prstGeom prst="rect">
+            <a:avLst/>
+          </a:prstGeom>
+          <a:noFill/>
+        </p:spPr>
+        <p:style>
+          <a:lnRef idx="2">
+            <a:schemeClr val="accent1">
+              <a:shade val="50000"/>
+            </a:schemeClr>
+          </a:lnRef>
+          <a:fillRef idx="1">
+            <a:schemeClr val="accent1"/>
+          </a:fillRef>
+          <a:effectRef idx="0">
+            <a:schemeClr val="accent1"/>
+          </a:effectRef>
+          <a:fontRef idx="minor">
+            <a:schemeClr val="lt1"/>
+          </a:fontRef>
+        </p:style>
+        <p:txBody>
+          <a:bodyPr rtlCol="0" anchor="ctr"/>
+          <a:lstStyle/>
+          <a:p>
+            <a:pPr algn="ctr"/>
+            <a:endParaRPr lang="zh-CN" altLang="en-US"/>
+          </a:p>
+        </p:txBody>
+      </p:sp>
+      <p:sp>
+        <p:nvSpPr>
+          <p:cNvPr id="12" name="矩形 11"/>
+          <p:cNvSpPr/>
+          <p:nvPr/>
+        </p:nvSpPr>
+        <p:spPr>
+          <a:xfrm>
+            <a:off x="3929058" y="6179156"/>
+            <a:ext cx="1214446" cy="607430"/>
+          </a:xfrm>
+          <a:prstGeom prst="rect">
+            <a:avLst/>
+          </a:prstGeom>
+        </p:spPr>
+        <p:style>
+          <a:lnRef idx="3">
+            <a:schemeClr val="lt1"/>
+          </a:lnRef>
+          <a:fillRef idx="1">
+            <a:schemeClr val="accent6"/>
+          </a:fillRef>
+          <a:effectRef idx="1">
+            <a:schemeClr val="accent6"/>
+          </a:effectRef>
+          <a:fontRef idx="minor">
+            <a:schemeClr val="lt1"/>
+          </a:fontRef>
+        </p:style>
+        <p:txBody>
+          <a:bodyPr rtlCol="0" anchor="ctr"/>
+          <a:lstStyle/>
+          <a:p>
+            <a:r>
+              <a:rPr lang="zh-CN" altLang="en-US" sz="1200" dirty="0" smtClean="0"/>
+              <a:t>情绪不强也不弱 做低不做高</a:t>
+            </a:r>
+            <a:endParaRPr lang="en-US" altLang="zh-CN" sz="1200" dirty="0" smtClean="0"/>
+          </a:p>
+        </p:txBody>
+      </p:sp>
       <p:cxnSp>
         <p:nvCxnSpPr>
-          <p:cNvPr id="9" name="肘形连接符 8"/>
+          <p:cNvPr id="14" name="肘形连接符 13"/>
           <p:cNvCxnSpPr>
-            <a:stCxn id="7" idx="3"/>
-            <a:endCxn id="6" idx="1"/>
+            <a:stCxn id="6" idx="3"/>
+            <a:endCxn id="9" idx="1"/>
           </p:cNvCxnSpPr>
           <p:nvPr/>
         </p:nvCxnSpPr>
         <p:spPr>
-          <a:xfrm flipV="1">
-            <a:off x="3143240" y="1518137"/>
-            <a:ext cx="2143140" cy="249826"/>
+          <a:xfrm>
+            <a:off x="2071670" y="4500570"/>
+            <a:ext cx="1857388" cy="207"/>
+          </a:xfrm>
+          <a:prstGeom prst="bentConnector3">
+            <a:avLst>
+              <a:gd name="adj1" fmla="val 50000"/>
+            </a:avLst>
+          </a:prstGeom>
+          <a:ln>
+            <a:tailEnd type="arrow"/>
+          </a:ln>
+        </p:spPr>
+        <p:style>
+          <a:lnRef idx="1">
+            <a:schemeClr val="accent6"/>
+          </a:lnRef>
+          <a:fillRef idx="0">
+            <a:schemeClr val="accent6"/>
+          </a:fillRef>
+          <a:effectRef idx="0">
+            <a:schemeClr val="accent6"/>
+          </a:effectRef>
+          <a:fontRef idx="minor">
+            <a:schemeClr val="tx1"/>
+          </a:fontRef>
+        </p:style>
+      </p:cxnSp>
+      <p:cxnSp>
+        <p:nvCxnSpPr>
+          <p:cNvPr id="16" name="肘形连接符 15"/>
+          <p:cNvCxnSpPr>
+            <a:stCxn id="10" idx="3"/>
+            <a:endCxn id="8" idx="1"/>
+          </p:cNvCxnSpPr>
+          <p:nvPr/>
+        </p:nvCxnSpPr>
+        <p:spPr>
+          <a:xfrm>
+            <a:off x="2062410" y="5473861"/>
+            <a:ext cx="1866648" cy="1588"/>
+          </a:xfrm>
+          <a:prstGeom prst="bentConnector3">
+            <a:avLst>
+              <a:gd name="adj1" fmla="val 50000"/>
+            </a:avLst>
+          </a:prstGeom>
+          <a:ln>
+            <a:tailEnd type="arrow"/>
+          </a:ln>
+        </p:spPr>
+        <p:style>
+          <a:lnRef idx="1">
+            <a:schemeClr val="accent6"/>
+          </a:lnRef>
+          <a:fillRef idx="0">
+            <a:schemeClr val="accent6"/>
+          </a:fillRef>
+          <a:effectRef idx="0">
+            <a:schemeClr val="accent6"/>
+          </a:effectRef>
+          <a:fontRef idx="minor">
+            <a:schemeClr val="tx1"/>
+          </a:fontRef>
+        </p:style>
+      </p:cxnSp>
+      <p:cxnSp>
+        <p:nvCxnSpPr>
+          <p:cNvPr id="18" name="肘形连接符 17"/>
+          <p:cNvCxnSpPr>
+            <a:stCxn id="11" idx="3"/>
+            <a:endCxn id="12" idx="1"/>
+          </p:cNvCxnSpPr>
+          <p:nvPr/>
+        </p:nvCxnSpPr>
+        <p:spPr>
+          <a:xfrm>
+            <a:off x="2071670" y="6482664"/>
+            <a:ext cx="1857388" cy="207"/>
           </a:xfrm>
           <a:prstGeom prst="bentConnector3">
             <a:avLst>
@@ -3910,6 +4184,222 @@
       </p:grpSpPr>
       <p:pic>
         <p:nvPicPr>
+          <p:cNvPr id="3074" name="Picture 2" descr="C:\Users\pc\AppData\Local\Temp\WeChat Files\d024a2d9da9a04264b86e1ba3d283d6.jpg"/>
+          <p:cNvPicPr>
+            <a:picLocks noChangeAspect="1" noChangeArrowheads="1"/>
+          </p:cNvPicPr>
+          <p:nvPr/>
+        </p:nvPicPr>
+        <p:blipFill>
+          <a:blip r:embed="rId2"/>
+          <a:srcRect t="10416" b="11458"/>
+          <a:stretch>
+            <a:fillRect/>
+          </a:stretch>
+        </p:blipFill>
+        <p:spPr bwMode="auto">
+          <a:xfrm>
+            <a:off x="45915" y="642918"/>
+            <a:ext cx="3168763" cy="5357850"/>
+          </a:xfrm>
+          <a:prstGeom prst="rect">
+            <a:avLst/>
+          </a:prstGeom>
+          <a:noFill/>
+          <a:ln>
+            <a:solidFill>
+              <a:schemeClr val="accent2"/>
+            </a:solidFill>
+          </a:ln>
+        </p:spPr>
+      </p:pic>
+      <p:sp>
+        <p:nvSpPr>
+          <p:cNvPr id="5" name="矩形 4"/>
+          <p:cNvSpPr/>
+          <p:nvPr/>
+        </p:nvSpPr>
+        <p:spPr>
+          <a:xfrm>
+            <a:off x="7000892" y="0"/>
+            <a:ext cx="2143108" cy="428604"/>
+          </a:xfrm>
+          <a:prstGeom prst="rect">
+            <a:avLst/>
+          </a:prstGeom>
+        </p:spPr>
+        <p:style>
+          <a:lnRef idx="3">
+            <a:schemeClr val="lt1"/>
+          </a:lnRef>
+          <a:fillRef idx="1">
+            <a:schemeClr val="accent6"/>
+          </a:fillRef>
+          <a:effectRef idx="1">
+            <a:schemeClr val="accent6"/>
+          </a:effectRef>
+          <a:fontRef idx="minor">
+            <a:schemeClr val="lt1"/>
+          </a:fontRef>
+        </p:style>
+        <p:txBody>
+          <a:bodyPr rtlCol="0" anchor="ctr"/>
+          <a:lstStyle/>
+          <a:p>
+            <a:pPr algn="ctr"/>
+            <a:r>
+              <a:rPr lang="zh-CN" altLang="en-US" b="1" dirty="0" smtClean="0"/>
+              <a:t>波动的价值</a:t>
+            </a:r>
+            <a:endParaRPr lang="zh-CN" altLang="en-US" b="1" dirty="0"/>
+          </a:p>
+        </p:txBody>
+      </p:sp>
+      <p:sp>
+        <p:nvSpPr>
+          <p:cNvPr id="6" name="矩形 5"/>
+          <p:cNvSpPr/>
+          <p:nvPr/>
+        </p:nvSpPr>
+        <p:spPr>
+          <a:xfrm>
+            <a:off x="5286380" y="1214422"/>
+            <a:ext cx="1071570" cy="607430"/>
+          </a:xfrm>
+          <a:prstGeom prst="rect">
+            <a:avLst/>
+          </a:prstGeom>
+        </p:spPr>
+        <p:style>
+          <a:lnRef idx="3">
+            <a:schemeClr val="lt1"/>
+          </a:lnRef>
+          <a:fillRef idx="1">
+            <a:schemeClr val="accent6"/>
+          </a:fillRef>
+          <a:effectRef idx="1">
+            <a:schemeClr val="accent6"/>
+          </a:effectRef>
+          <a:fontRef idx="minor">
+            <a:schemeClr val="lt1"/>
+          </a:fontRef>
+        </p:style>
+        <p:txBody>
+          <a:bodyPr rtlCol="0" anchor="ctr"/>
+          <a:lstStyle/>
+          <a:p>
+            <a:r>
+              <a:rPr lang="zh-CN" altLang="en-US" sz="1200" dirty="0" smtClean="0"/>
+              <a:t>波动的价值</a:t>
+            </a:r>
+            <a:endParaRPr lang="en-US" altLang="zh-CN" sz="1200" dirty="0" smtClean="0"/>
+          </a:p>
+        </p:txBody>
+      </p:sp>
+      <p:sp>
+        <p:nvSpPr>
+          <p:cNvPr id="7" name="矩形 6"/>
+          <p:cNvSpPr/>
+          <p:nvPr/>
+        </p:nvSpPr>
+        <p:spPr>
+          <a:xfrm>
+            <a:off x="428596" y="1303616"/>
+            <a:ext cx="2714644" cy="928694"/>
+          </a:xfrm>
+          <a:prstGeom prst="rect">
+            <a:avLst/>
+          </a:prstGeom>
+          <a:noFill/>
+        </p:spPr>
+        <p:style>
+          <a:lnRef idx="2">
+            <a:schemeClr val="accent2"/>
+          </a:lnRef>
+          <a:fillRef idx="1">
+            <a:schemeClr val="lt1"/>
+          </a:fillRef>
+          <a:effectRef idx="0">
+            <a:schemeClr val="accent2"/>
+          </a:effectRef>
+          <a:fontRef idx="minor">
+            <a:schemeClr val="dk1"/>
+          </a:fontRef>
+        </p:style>
+        <p:txBody>
+          <a:bodyPr rtlCol="0" anchor="ctr"/>
+          <a:lstStyle/>
+          <a:p>
+            <a:pPr algn="ctr"/>
+            <a:endParaRPr lang="zh-CN" altLang="en-US"/>
+          </a:p>
+        </p:txBody>
+      </p:sp>
+      <p:cxnSp>
+        <p:nvCxnSpPr>
+          <p:cNvPr id="9" name="肘形连接符 8"/>
+          <p:cNvCxnSpPr>
+            <a:stCxn id="7" idx="3"/>
+            <a:endCxn id="6" idx="1"/>
+          </p:cNvCxnSpPr>
+          <p:nvPr/>
+        </p:nvCxnSpPr>
+        <p:spPr>
+          <a:xfrm flipV="1">
+            <a:off x="3143240" y="1518137"/>
+            <a:ext cx="2143140" cy="249826"/>
+          </a:xfrm>
+          <a:prstGeom prst="bentConnector3">
+            <a:avLst>
+              <a:gd name="adj1" fmla="val 50000"/>
+            </a:avLst>
+          </a:prstGeom>
+          <a:ln>
+            <a:tailEnd type="arrow"/>
+          </a:ln>
+        </p:spPr>
+        <p:style>
+          <a:lnRef idx="1">
+            <a:schemeClr val="accent6"/>
+          </a:lnRef>
+          <a:fillRef idx="0">
+            <a:schemeClr val="accent6"/>
+          </a:fillRef>
+          <a:effectRef idx="0">
+            <a:schemeClr val="accent6"/>
+          </a:effectRef>
+          <a:fontRef idx="minor">
+            <a:schemeClr val="tx1"/>
+          </a:fontRef>
+        </p:style>
+      </p:cxnSp>
+    </p:spTree>
+  </p:cSld>
+  <p:clrMapOvr>
+    <a:masterClrMapping/>
+  </p:clrMapOvr>
+</p:sld>
+</file>
+
+<file path=ppt/slides/slide12.xml><?xml version="1.0" encoding="utf-8"?>
+<p:sld xmlns:a="http://schemas.openxmlformats.org/drawingml/2006/main" xmlns:r="http://schemas.openxmlformats.org/officeDocument/2006/relationships" xmlns:p="http://schemas.openxmlformats.org/presentationml/2006/main">
+  <p:cSld>
+    <p:spTree>
+      <p:nvGrpSpPr>
+        <p:cNvPr id="1" name=""/>
+        <p:cNvGrpSpPr/>
+        <p:nvPr/>
+      </p:nvGrpSpPr>
+      <p:grpSpPr>
+        <a:xfrm>
+          <a:off x="0" y="0"/>
+          <a:ext cx="0" cy="0"/>
+          <a:chOff x="0" y="0"/>
+          <a:chExt cx="0" cy="0"/>
+        </a:xfrm>
+      </p:grpSpPr>
+      <p:pic>
+        <p:nvPicPr>
           <p:cNvPr id="4098" name="Picture 2" descr="C:\Users\pc\AppData\Local\Temp\WeChat Files\3632d25fa7b32cbde2d28ef33e3a013.jpg"/>
           <p:cNvPicPr>
             <a:picLocks noChangeAspect="1" noChangeArrowheads="1"/>
@@ -5069,11 +5559,15 @@
             <a:pPr algn="ctr"/>
             <a:r>
               <a:rPr lang="en-US" altLang="zh-CN" b="1" dirty="0" smtClean="0"/>
-              <a:t>2020.4.3</a:t>
+              <a:t>2020.5.6</a:t>
             </a:r>
             <a:r>
               <a:rPr lang="zh-CN" altLang="en-US" b="1" dirty="0" smtClean="0"/>
-              <a:t>早盘汇总</a:t>
+              <a:t>早</a:t>
+            </a:r>
+            <a:r>
+              <a:rPr lang="zh-CN" altLang="en-US" b="1" dirty="0" smtClean="0"/>
+              <a:t>盘汇总</a:t>
             </a:r>
             <a:endParaRPr lang="zh-CN" altLang="en-US" b="1" dirty="0"/>
           </a:p>
@@ -5081,7 +5575,7 @@
       </p:sp>
       <p:pic>
         <p:nvPicPr>
-          <p:cNvPr id="13314" name="Picture 2" descr="gj6084rxfl4f.jpg_max.png (334Ã1280)"/>
+          <p:cNvPr id="1026" name="Picture 2" descr="https://image.taoguba.com.cn/img/2020/05/06/wte900nihckb.jpg_760w.png"/>
           <p:cNvPicPr>
             <a:picLocks noChangeAspect="1" noChangeArrowheads="1"/>
           </p:cNvPicPr>
@@ -5089,15 +5583,15 @@
         </p:nvPicPr>
         <p:blipFill>
           <a:blip r:embed="rId2"/>
-          <a:srcRect t="44532" r="1197" b="976"/>
+          <a:srcRect t="28073"/>
           <a:stretch>
             <a:fillRect/>
           </a:stretch>
         </p:blipFill>
         <p:spPr bwMode="auto">
           <a:xfrm>
-            <a:off x="71406" y="71414"/>
-            <a:ext cx="3143272" cy="6643734"/>
+            <a:off x="-32" y="71438"/>
+            <a:ext cx="4317903" cy="6715148"/>
           </a:xfrm>
           <a:prstGeom prst="rect">
             <a:avLst/>
@@ -5113,8 +5607,8 @@
         </p:nvSpPr>
         <p:spPr>
           <a:xfrm>
-            <a:off x="142844" y="1554028"/>
-            <a:ext cx="2928958" cy="785818"/>
+            <a:off x="142844" y="3500438"/>
+            <a:ext cx="3714776" cy="285752"/>
           </a:xfrm>
           <a:prstGeom prst="rect">
             <a:avLst/>
@@ -5123,18 +5617,16 @@
         </p:spPr>
         <p:style>
           <a:lnRef idx="2">
-            <a:schemeClr val="accent2">
-              <a:shade val="50000"/>
-            </a:schemeClr>
+            <a:schemeClr val="accent6"/>
           </a:lnRef>
           <a:fillRef idx="1">
-            <a:schemeClr val="accent2"/>
+            <a:schemeClr val="lt1"/>
           </a:fillRef>
           <a:effectRef idx="0">
-            <a:schemeClr val="accent2"/>
-          </a:effectRef>
-          <a:fontRef idx="minor">
-            <a:schemeClr val="lt1"/>
+            <a:schemeClr val="accent6"/>
+          </a:effectRef>
+          <a:fontRef idx="minor">
+            <a:schemeClr val="dk1"/>
           </a:fontRef>
         </p:style>
         <p:txBody>
@@ -5146,24 +5638,145 @@
           </a:p>
         </p:txBody>
       </p:sp>
+      <p:sp>
+        <p:nvSpPr>
+          <p:cNvPr id="7" name="矩形 6"/>
+          <p:cNvSpPr/>
+          <p:nvPr/>
+        </p:nvSpPr>
+        <p:spPr>
+          <a:xfrm>
+            <a:off x="5072066" y="2786058"/>
+            <a:ext cx="1214446" cy="500066"/>
+          </a:xfrm>
+          <a:prstGeom prst="rect">
+            <a:avLst/>
+          </a:prstGeom>
+        </p:spPr>
+        <p:style>
+          <a:lnRef idx="3">
+            <a:schemeClr val="lt1"/>
+          </a:lnRef>
+          <a:fillRef idx="1">
+            <a:schemeClr val="accent6"/>
+          </a:fillRef>
+          <a:effectRef idx="1">
+            <a:schemeClr val="accent6"/>
+          </a:effectRef>
+          <a:fontRef idx="minor">
+            <a:schemeClr val="lt1"/>
+          </a:fontRef>
+        </p:style>
+        <p:txBody>
+          <a:bodyPr rtlCol="0" anchor="ctr"/>
+          <a:lstStyle/>
+          <a:p>
+            <a:pPr algn="ctr"/>
+            <a:r>
+              <a:rPr lang="zh-CN" altLang="en-US" sz="1200" dirty="0" smtClean="0"/>
+              <a:t>看指数</a:t>
+            </a:r>
+            <a:endParaRPr lang="zh-CN" altLang="en-US" sz="1200" dirty="0"/>
+          </a:p>
+        </p:txBody>
+      </p:sp>
+      <p:sp>
+        <p:nvSpPr>
+          <p:cNvPr id="8" name="矩形 7"/>
+          <p:cNvSpPr/>
+          <p:nvPr/>
+        </p:nvSpPr>
+        <p:spPr>
+          <a:xfrm>
+            <a:off x="5072066" y="3643314"/>
+            <a:ext cx="1214446" cy="500066"/>
+          </a:xfrm>
+          <a:prstGeom prst="rect">
+            <a:avLst/>
+          </a:prstGeom>
+        </p:spPr>
+        <p:style>
+          <a:lnRef idx="3">
+            <a:schemeClr val="lt1"/>
+          </a:lnRef>
+          <a:fillRef idx="1">
+            <a:schemeClr val="accent6"/>
+          </a:fillRef>
+          <a:effectRef idx="1">
+            <a:schemeClr val="accent6"/>
+          </a:effectRef>
+          <a:fontRef idx="minor">
+            <a:schemeClr val="lt1"/>
+          </a:fontRef>
+        </p:style>
+        <p:txBody>
+          <a:bodyPr rtlCol="0" anchor="ctr"/>
+          <a:lstStyle/>
+          <a:p>
+            <a:pPr algn="ctr"/>
+            <a:r>
+              <a:rPr lang="zh-CN" altLang="en-US" sz="1200" dirty="0" smtClean="0"/>
+              <a:t>看情绪</a:t>
+            </a:r>
+            <a:endParaRPr lang="zh-CN" altLang="en-US" sz="1200" dirty="0"/>
+          </a:p>
+        </p:txBody>
+      </p:sp>
+      <p:sp>
+        <p:nvSpPr>
+          <p:cNvPr id="9" name="矩形 8"/>
+          <p:cNvSpPr/>
+          <p:nvPr/>
+        </p:nvSpPr>
+        <p:spPr>
+          <a:xfrm>
+            <a:off x="142844" y="3857628"/>
+            <a:ext cx="3714776" cy="571504"/>
+          </a:xfrm>
+          <a:prstGeom prst="rect">
+            <a:avLst/>
+          </a:prstGeom>
+          <a:noFill/>
+        </p:spPr>
+        <p:style>
+          <a:lnRef idx="2">
+            <a:schemeClr val="accent6"/>
+          </a:lnRef>
+          <a:fillRef idx="1">
+            <a:schemeClr val="lt1"/>
+          </a:fillRef>
+          <a:effectRef idx="0">
+            <a:schemeClr val="accent6"/>
+          </a:effectRef>
+          <a:fontRef idx="minor">
+            <a:schemeClr val="dk1"/>
+          </a:fontRef>
+        </p:style>
+        <p:txBody>
+          <a:bodyPr rtlCol="0" anchor="ctr"/>
+          <a:lstStyle/>
+          <a:p>
+            <a:pPr algn="ctr"/>
+            <a:endParaRPr lang="zh-CN" altLang="en-US"/>
+          </a:p>
+        </p:txBody>
+      </p:sp>
       <p:cxnSp>
         <p:nvCxnSpPr>
-          <p:cNvPr id="8" name="形状 7"/>
+          <p:cNvPr id="11" name="直接箭头连接符 10"/>
           <p:cNvCxnSpPr>
             <a:stCxn id="6" idx="3"/>
-            <a:endCxn id="9" idx="1"/>
+            <a:endCxn id="7" idx="1"/>
           </p:cNvCxnSpPr>
           <p:nvPr/>
         </p:nvCxnSpPr>
         <p:spPr>
           <a:xfrm flipV="1">
-            <a:off x="3071802" y="1428736"/>
-            <a:ext cx="1857388" cy="518201"/>
-          </a:xfrm>
-          <a:prstGeom prst="bentConnector3">
-            <a:avLst>
-              <a:gd name="adj1" fmla="val 50000"/>
-            </a:avLst>
+            <a:off x="3857620" y="3036091"/>
+            <a:ext cx="1214446" cy="607223"/>
+          </a:xfrm>
+          <a:prstGeom prst="straightConnector1">
+            <a:avLst/>
           </a:prstGeom>
           <a:ln>
             <a:tailEnd type="arrow"/>
@@ -5171,186 +5784,35 @@
         </p:spPr>
         <p:style>
           <a:lnRef idx="1">
-            <a:schemeClr val="accent6"/>
+            <a:schemeClr val="accent1"/>
           </a:lnRef>
           <a:fillRef idx="0">
-            <a:schemeClr val="accent6"/>
+            <a:schemeClr val="accent1"/>
           </a:fillRef>
           <a:effectRef idx="0">
-            <a:schemeClr val="accent6"/>
+            <a:schemeClr val="accent1"/>
           </a:effectRef>
           <a:fontRef idx="minor">
             <a:schemeClr val="tx1"/>
           </a:fontRef>
         </p:style>
       </p:cxnSp>
-      <p:sp>
-        <p:nvSpPr>
-          <p:cNvPr id="9" name="矩形 8"/>
-          <p:cNvSpPr/>
-          <p:nvPr/>
-        </p:nvSpPr>
-        <p:spPr>
-          <a:xfrm>
-            <a:off x="4929190" y="1071546"/>
-            <a:ext cx="1500198" cy="714380"/>
-          </a:xfrm>
-          <a:prstGeom prst="rect">
-            <a:avLst/>
-          </a:prstGeom>
-        </p:spPr>
-        <p:style>
-          <a:lnRef idx="3">
-            <a:schemeClr val="lt1"/>
-          </a:lnRef>
-          <a:fillRef idx="1">
-            <a:schemeClr val="accent6"/>
-          </a:fillRef>
-          <a:effectRef idx="1">
-            <a:schemeClr val="accent6"/>
-          </a:effectRef>
-          <a:fontRef idx="minor">
-            <a:schemeClr val="lt1"/>
-          </a:fontRef>
-        </p:style>
-        <p:txBody>
-          <a:bodyPr rtlCol="0" anchor="ctr"/>
-          <a:lstStyle/>
-          <a:p>
-            <a:pPr algn="ctr"/>
-            <a:r>
-              <a:rPr lang="zh-CN" altLang="en-US" sz="1200" dirty="0" smtClean="0"/>
-              <a:t>预判当天拿先手：可以是前期强势股 科技股潜伏 </a:t>
-            </a:r>
-            <a:endParaRPr lang="zh-CN" altLang="en-US" sz="1200" dirty="0"/>
-          </a:p>
-        </p:txBody>
-      </p:sp>
-      <p:sp>
-        <p:nvSpPr>
-          <p:cNvPr id="12" name="矩形 11"/>
-          <p:cNvSpPr/>
-          <p:nvPr/>
-        </p:nvSpPr>
-        <p:spPr>
-          <a:xfrm>
-            <a:off x="142844" y="3214686"/>
-            <a:ext cx="2928958" cy="785818"/>
-          </a:xfrm>
-          <a:prstGeom prst="rect">
-            <a:avLst/>
-          </a:prstGeom>
-          <a:noFill/>
-        </p:spPr>
-        <p:style>
-          <a:lnRef idx="2">
-            <a:schemeClr val="accent2">
-              <a:shade val="50000"/>
-            </a:schemeClr>
-          </a:lnRef>
-          <a:fillRef idx="1">
-            <a:schemeClr val="accent2"/>
-          </a:fillRef>
-          <a:effectRef idx="0">
-            <a:schemeClr val="accent2"/>
-          </a:effectRef>
-          <a:fontRef idx="minor">
-            <a:schemeClr val="lt1"/>
-          </a:fontRef>
-        </p:style>
-        <p:txBody>
-          <a:bodyPr rtlCol="0" anchor="ctr"/>
-          <a:lstStyle/>
-          <a:p>
-            <a:pPr algn="ctr"/>
-            <a:endParaRPr lang="zh-CN" altLang="en-US"/>
-          </a:p>
-        </p:txBody>
-      </p:sp>
-      <p:sp>
-        <p:nvSpPr>
-          <p:cNvPr id="13" name="矩形 12"/>
-          <p:cNvSpPr/>
-          <p:nvPr/>
-        </p:nvSpPr>
-        <p:spPr>
-          <a:xfrm>
-            <a:off x="5000628" y="3929066"/>
-            <a:ext cx="2000264" cy="785818"/>
-          </a:xfrm>
-          <a:prstGeom prst="rect">
-            <a:avLst/>
-          </a:prstGeom>
-        </p:spPr>
-        <p:style>
-          <a:lnRef idx="3">
-            <a:schemeClr val="lt1"/>
-          </a:lnRef>
-          <a:fillRef idx="1">
-            <a:schemeClr val="accent6"/>
-          </a:fillRef>
-          <a:effectRef idx="1">
-            <a:schemeClr val="accent6"/>
-          </a:effectRef>
-          <a:fontRef idx="minor">
-            <a:schemeClr val="lt1"/>
-          </a:fontRef>
-        </p:style>
-        <p:txBody>
-          <a:bodyPr rtlCol="0" anchor="ctr"/>
-          <a:lstStyle/>
-          <a:p>
-            <a:pPr algn="ctr"/>
-            <a:r>
-              <a:rPr lang="zh-CN" altLang="en-US" sz="1200" dirty="0" smtClean="0"/>
-              <a:t>这里预判</a:t>
-            </a:r>
-            <a:r>
-              <a:rPr lang="en-US" altLang="zh-CN" sz="1200" dirty="0" smtClean="0"/>
-              <a:t>4.3</a:t>
-            </a:r>
-            <a:r>
-              <a:rPr lang="zh-CN" altLang="en-US" sz="1200" dirty="0" smtClean="0"/>
-              <a:t>日，科技股没有持续性，呼吸机 农业走强 那么可以半路或者低吸口罩股</a:t>
-            </a:r>
-            <a:r>
-              <a:rPr lang="en-US" altLang="zh-CN" sz="1200" dirty="0" smtClean="0"/>
-              <a:t>-</a:t>
-            </a:r>
-            <a:r>
-              <a:rPr lang="zh-CN" altLang="en-US" sz="1200" dirty="0" smtClean="0"/>
-              <a:t>道恩股份</a:t>
-            </a:r>
-            <a:r>
-              <a:rPr lang="en-US" altLang="zh-CN" sz="1200" dirty="0" smtClean="0"/>
-              <a:t>-</a:t>
-            </a:r>
-            <a:r>
-              <a:rPr lang="zh-CN" altLang="en-US" sz="1200" dirty="0" smtClean="0"/>
-              <a:t>国恩股份</a:t>
-            </a:r>
-            <a:endParaRPr lang="zh-CN" altLang="en-US" sz="1200" dirty="0"/>
-          </a:p>
-        </p:txBody>
-      </p:sp>
       <p:cxnSp>
         <p:nvCxnSpPr>
-          <p:cNvPr id="15" name="肘形连接符 14"/>
+          <p:cNvPr id="13" name="直接箭头连接符 12"/>
           <p:cNvCxnSpPr>
-            <a:stCxn id="12" idx="3"/>
-            <a:endCxn id="13" idx="1"/>
+            <a:stCxn id="9" idx="3"/>
+            <a:endCxn id="8" idx="1"/>
           </p:cNvCxnSpPr>
           <p:nvPr/>
         </p:nvCxnSpPr>
         <p:spPr>
-          <a:xfrm>
-            <a:off x="3071802" y="3607595"/>
-            <a:ext cx="1928826" cy="714380"/>
-          </a:xfrm>
-          <a:prstGeom prst="bentConnector3">
-            <a:avLst>
-              <a:gd name="adj1" fmla="val 50000"/>
-            </a:avLst>
+          <a:xfrm flipV="1">
+            <a:off x="3857620" y="3893347"/>
+            <a:ext cx="1214446" cy="250033"/>
+          </a:xfrm>
+          <a:prstGeom prst="straightConnector1">
+            <a:avLst/>
           </a:prstGeom>
           <a:ln>
             <a:tailEnd type="arrow"/>
@@ -5358,19 +5820,97 @@
         </p:spPr>
         <p:style>
           <a:lnRef idx="1">
-            <a:schemeClr val="accent6"/>
+            <a:schemeClr val="accent1"/>
           </a:lnRef>
           <a:fillRef idx="0">
-            <a:schemeClr val="accent6"/>
+            <a:schemeClr val="accent1"/>
           </a:fillRef>
           <a:effectRef idx="0">
-            <a:schemeClr val="accent6"/>
+            <a:schemeClr val="accent1"/>
           </a:effectRef>
           <a:fontRef idx="minor">
             <a:schemeClr val="tx1"/>
           </a:fontRef>
         </p:style>
       </p:cxnSp>
+      <p:sp>
+        <p:nvSpPr>
+          <p:cNvPr id="14" name="矩形 13"/>
+          <p:cNvSpPr/>
+          <p:nvPr/>
+        </p:nvSpPr>
+        <p:spPr>
+          <a:xfrm>
+            <a:off x="142844" y="4786322"/>
+            <a:ext cx="3286148" cy="285752"/>
+          </a:xfrm>
+          <a:prstGeom prst="rect">
+            <a:avLst/>
+          </a:prstGeom>
+          <a:noFill/>
+        </p:spPr>
+        <p:style>
+          <a:lnRef idx="2">
+            <a:schemeClr val="accent6"/>
+          </a:lnRef>
+          <a:fillRef idx="1">
+            <a:schemeClr val="lt1"/>
+          </a:fillRef>
+          <a:effectRef idx="0">
+            <a:schemeClr val="accent6"/>
+          </a:effectRef>
+          <a:fontRef idx="minor">
+            <a:schemeClr val="dk1"/>
+          </a:fontRef>
+        </p:style>
+        <p:txBody>
+          <a:bodyPr rtlCol="0" anchor="ctr"/>
+          <a:lstStyle/>
+          <a:p>
+            <a:pPr algn="ctr"/>
+            <a:endParaRPr lang="zh-CN" altLang="en-US"/>
+          </a:p>
+        </p:txBody>
+      </p:sp>
+      <p:sp>
+        <p:nvSpPr>
+          <p:cNvPr id="15" name="矩形 14"/>
+          <p:cNvSpPr/>
+          <p:nvPr/>
+        </p:nvSpPr>
+        <p:spPr>
+          <a:xfrm>
+            <a:off x="142844" y="5143512"/>
+            <a:ext cx="3857652" cy="642942"/>
+          </a:xfrm>
+          <a:prstGeom prst="rect">
+            <a:avLst/>
+          </a:prstGeom>
+          <a:noFill/>
+        </p:spPr>
+        <p:style>
+          <a:lnRef idx="2">
+            <a:schemeClr val="accent6"/>
+          </a:lnRef>
+          <a:fillRef idx="1">
+            <a:schemeClr val="lt1"/>
+          </a:fillRef>
+          <a:effectRef idx="0">
+            <a:schemeClr val="accent6"/>
+          </a:effectRef>
+          <a:fontRef idx="minor">
+            <a:schemeClr val="dk1"/>
+          </a:fontRef>
+        </p:style>
+        <p:txBody>
+          <a:bodyPr rtlCol="0" anchor="ctr"/>
+          <a:lstStyle/>
+          <a:p>
+            <a:pPr algn="ctr"/>
+            <a:endParaRPr lang="zh-CN" altLang="en-US"/>
+          </a:p>
+        </p:txBody>
+      </p:sp>
       <p:sp>
         <p:nvSpPr>
           <p:cNvPr id="16" name="矩形 15"/>
@@ -5379,8 +5919,8 @@
         </p:nvSpPr>
         <p:spPr>
           <a:xfrm>
-            <a:off x="142844" y="5143512"/>
-            <a:ext cx="2928958" cy="571504"/>
+            <a:off x="142844" y="5829898"/>
+            <a:ext cx="3857652" cy="599497"/>
           </a:xfrm>
           <a:prstGeom prst="rect">
             <a:avLst/>
@@ -5389,13 +5929,13 @@
         </p:spPr>
         <p:style>
           <a:lnRef idx="2">
-            <a:schemeClr val="accent2"/>
+            <a:schemeClr val="accent6"/>
           </a:lnRef>
           <a:fillRef idx="1">
             <a:schemeClr val="lt1"/>
           </a:fillRef>
           <a:effectRef idx="0">
-            <a:schemeClr val="accent2"/>
+            <a:schemeClr val="accent6"/>
           </a:effectRef>
           <a:fontRef idx="minor">
             <a:schemeClr val="dk1"/>
@@ -5418,8 +5958,47 @@
         </p:nvSpPr>
         <p:spPr>
           <a:xfrm>
-            <a:off x="5072066" y="5143512"/>
-            <a:ext cx="1643074" cy="785818"/>
+            <a:off x="142844" y="6500834"/>
+            <a:ext cx="3286148" cy="285752"/>
+          </a:xfrm>
+          <a:prstGeom prst="rect">
+            <a:avLst/>
+          </a:prstGeom>
+          <a:noFill/>
+        </p:spPr>
+        <p:style>
+          <a:lnRef idx="2">
+            <a:schemeClr val="accent6"/>
+          </a:lnRef>
+          <a:fillRef idx="1">
+            <a:schemeClr val="lt1"/>
+          </a:fillRef>
+          <a:effectRef idx="0">
+            <a:schemeClr val="accent6"/>
+          </a:effectRef>
+          <a:fontRef idx="minor">
+            <a:schemeClr val="dk1"/>
+          </a:fontRef>
+        </p:style>
+        <p:txBody>
+          <a:bodyPr rtlCol="0" anchor="ctr"/>
+          <a:lstStyle/>
+          <a:p>
+            <a:pPr algn="ctr"/>
+            <a:endParaRPr lang="zh-CN" altLang="en-US"/>
+          </a:p>
+        </p:txBody>
+      </p:sp>
+      <p:sp>
+        <p:nvSpPr>
+          <p:cNvPr id="22" name="矩形 21"/>
+          <p:cNvSpPr/>
+          <p:nvPr/>
+        </p:nvSpPr>
+        <p:spPr>
+          <a:xfrm>
+            <a:off x="5214942" y="4643446"/>
+            <a:ext cx="1214446" cy="1928826"/>
           </a:xfrm>
           <a:prstGeom prst="rect">
             <a:avLst/>
@@ -5446,30 +6025,56 @@
             <a:pPr algn="ctr"/>
             <a:r>
               <a:rPr lang="zh-CN" altLang="en-US" sz="1200" dirty="0" smtClean="0"/>
-              <a:t>缩量，资金流向方向乱，高位谨慎，接力谨慎</a:t>
-            </a:r>
-            <a:endParaRPr lang="zh-CN" altLang="en-US" sz="1200" dirty="0"/>
+              <a:t>资金流动方向预判</a:t>
+            </a:r>
+            <a:endParaRPr lang="en-US" altLang="zh-CN" sz="1200" dirty="0" smtClean="0"/>
+          </a:p>
+          <a:p>
+            <a:pPr algn="ctr"/>
+            <a:r>
+              <a:rPr lang="en-US" altLang="zh-CN" sz="1200" dirty="0" smtClean="0"/>
+              <a:t>1.</a:t>
+            </a:r>
+          </a:p>
+          <a:p>
+            <a:pPr algn="ctr"/>
+            <a:r>
+              <a:rPr lang="en-US" altLang="zh-CN" sz="1200" dirty="0" smtClean="0"/>
+              <a:t>2.</a:t>
+            </a:r>
+          </a:p>
+          <a:p>
+            <a:pPr algn="ctr"/>
+            <a:r>
+              <a:rPr lang="en-US" altLang="zh-CN" sz="1200" dirty="0" smtClean="0"/>
+              <a:t>3.</a:t>
+            </a:r>
+          </a:p>
+          <a:p>
+            <a:pPr algn="ctr"/>
+            <a:r>
+              <a:rPr lang="en-US" altLang="zh-CN" sz="1200" dirty="0" smtClean="0"/>
+              <a:t>4.</a:t>
+            </a:r>
           </a:p>
         </p:txBody>
       </p:sp>
       <p:cxnSp>
         <p:nvCxnSpPr>
-          <p:cNvPr id="19" name="肘形连接符 18"/>
+          <p:cNvPr id="24" name="直接箭头连接符 23"/>
           <p:cNvCxnSpPr>
-            <a:stCxn id="16" idx="3"/>
-            <a:endCxn id="17" idx="1"/>
+            <a:stCxn id="14" idx="3"/>
+            <a:endCxn id="22" idx="1"/>
           </p:cNvCxnSpPr>
           <p:nvPr/>
         </p:nvCxnSpPr>
         <p:spPr>
           <a:xfrm>
-            <a:off x="3071802" y="5429264"/>
-            <a:ext cx="2000264" cy="107157"/>
-          </a:xfrm>
-          <a:prstGeom prst="bentConnector3">
-            <a:avLst>
-              <a:gd name="adj1" fmla="val 50000"/>
-            </a:avLst>
+            <a:off x="3428992" y="4929198"/>
+            <a:ext cx="1785950" cy="678661"/>
+          </a:xfrm>
+          <a:prstGeom prst="straightConnector1">
+            <a:avLst/>
           </a:prstGeom>
           <a:ln>
             <a:tailEnd type="arrow"/>
@@ -5477,118 +6082,35 @@
         </p:spPr>
         <p:style>
           <a:lnRef idx="1">
-            <a:schemeClr val="accent2"/>
+            <a:schemeClr val="accent1"/>
           </a:lnRef>
           <a:fillRef idx="0">
-            <a:schemeClr val="accent2"/>
+            <a:schemeClr val="accent1"/>
           </a:fillRef>
           <a:effectRef idx="0">
-            <a:schemeClr val="accent2"/>
+            <a:schemeClr val="accent1"/>
           </a:effectRef>
           <a:fontRef idx="minor">
             <a:schemeClr val="tx1"/>
           </a:fontRef>
         </p:style>
       </p:cxnSp>
-      <p:sp>
-        <p:nvSpPr>
-          <p:cNvPr id="25" name="矩形 24"/>
-          <p:cNvSpPr/>
-          <p:nvPr/>
-        </p:nvSpPr>
-        <p:spPr>
-          <a:xfrm>
-            <a:off x="142844" y="2786058"/>
-            <a:ext cx="1571636" cy="214314"/>
-          </a:xfrm>
-          <a:prstGeom prst="rect">
-            <a:avLst/>
-          </a:prstGeom>
-          <a:noFill/>
-        </p:spPr>
-        <p:style>
-          <a:lnRef idx="2">
-            <a:schemeClr val="accent2"/>
-          </a:lnRef>
-          <a:fillRef idx="1">
-            <a:schemeClr val="lt1"/>
-          </a:fillRef>
-          <a:effectRef idx="0">
-            <a:schemeClr val="accent2"/>
-          </a:effectRef>
-          <a:fontRef idx="minor">
-            <a:schemeClr val="dk1"/>
-          </a:fontRef>
-        </p:style>
-        <p:txBody>
-          <a:bodyPr rtlCol="0" anchor="ctr"/>
-          <a:lstStyle/>
-          <a:p>
-            <a:pPr algn="ctr"/>
-            <a:endParaRPr lang="zh-CN" altLang="en-US"/>
-          </a:p>
-        </p:txBody>
-      </p:sp>
-      <p:sp>
-        <p:nvSpPr>
-          <p:cNvPr id="26" name="矩形 25"/>
-          <p:cNvSpPr/>
-          <p:nvPr/>
-        </p:nvSpPr>
-        <p:spPr>
-          <a:xfrm>
-            <a:off x="5072066" y="2428868"/>
-            <a:ext cx="1928826" cy="785818"/>
-          </a:xfrm>
-          <a:prstGeom prst="rect">
-            <a:avLst/>
-          </a:prstGeom>
-        </p:spPr>
-        <p:style>
-          <a:lnRef idx="3">
-            <a:schemeClr val="lt1"/>
-          </a:lnRef>
-          <a:fillRef idx="1">
-            <a:schemeClr val="accent6"/>
-          </a:fillRef>
-          <a:effectRef idx="1">
-            <a:schemeClr val="accent6"/>
-          </a:effectRef>
-          <a:fontRef idx="minor">
-            <a:schemeClr val="lt1"/>
-          </a:fontRef>
-        </p:style>
-        <p:txBody>
-          <a:bodyPr rtlCol="0" anchor="ctr"/>
-          <a:lstStyle/>
-          <a:p>
-            <a:pPr algn="ctr"/>
-            <a:r>
-              <a:rPr lang="zh-CN" altLang="en-US" sz="1200" dirty="0" smtClean="0"/>
-              <a:t>因为科技涨停接力隔天走势很弱，表明资金潜伏意愿更强，反弹卖出</a:t>
-            </a:r>
-            <a:endParaRPr lang="zh-CN" altLang="en-US" sz="1200" dirty="0"/>
-          </a:p>
-        </p:txBody>
-      </p:sp>
       <p:cxnSp>
         <p:nvCxnSpPr>
-          <p:cNvPr id="28" name="肘形连接符 27"/>
+          <p:cNvPr id="26" name="直接箭头连接符 25"/>
           <p:cNvCxnSpPr>
-            <a:stCxn id="25" idx="3"/>
-            <a:endCxn id="26" idx="1"/>
+            <a:stCxn id="15" idx="3"/>
+            <a:endCxn id="22" idx="1"/>
           </p:cNvCxnSpPr>
           <p:nvPr/>
         </p:nvCxnSpPr>
         <p:spPr>
-          <a:xfrm flipV="1">
-            <a:off x="1714480" y="2821777"/>
-            <a:ext cx="3357586" cy="71438"/>
-          </a:xfrm>
-          <a:prstGeom prst="bentConnector3">
-            <a:avLst>
-              <a:gd name="adj1" fmla="val 50000"/>
-            </a:avLst>
+          <a:xfrm>
+            <a:off x="4000496" y="5464983"/>
+            <a:ext cx="1214446" cy="142876"/>
+          </a:xfrm>
+          <a:prstGeom prst="straightConnector1">
+            <a:avLst/>
           </a:prstGeom>
           <a:ln>
             <a:tailEnd type="arrow"/>
@@ -5596,19 +6118,175 @@
         </p:spPr>
         <p:style>
           <a:lnRef idx="1">
-            <a:schemeClr val="accent6"/>
+            <a:schemeClr val="accent1"/>
           </a:lnRef>
           <a:fillRef idx="0">
-            <a:schemeClr val="accent6"/>
+            <a:schemeClr val="accent1"/>
           </a:fillRef>
           <a:effectRef idx="0">
-            <a:schemeClr val="accent6"/>
+            <a:schemeClr val="accent1"/>
           </a:effectRef>
           <a:fontRef idx="minor">
             <a:schemeClr val="tx1"/>
           </a:fontRef>
         </p:style>
       </p:cxnSp>
+      <p:cxnSp>
+        <p:nvCxnSpPr>
+          <p:cNvPr id="28" name="直接箭头连接符 27"/>
+          <p:cNvCxnSpPr>
+            <a:stCxn id="16" idx="3"/>
+            <a:endCxn id="22" idx="1"/>
+          </p:cNvCxnSpPr>
+          <p:nvPr/>
+        </p:nvCxnSpPr>
+        <p:spPr>
+          <a:xfrm flipV="1">
+            <a:off x="4000496" y="5607859"/>
+            <a:ext cx="1214446" cy="521788"/>
+          </a:xfrm>
+          <a:prstGeom prst="straightConnector1">
+            <a:avLst/>
+          </a:prstGeom>
+          <a:ln>
+            <a:tailEnd type="arrow"/>
+          </a:ln>
+        </p:spPr>
+        <p:style>
+          <a:lnRef idx="1">
+            <a:schemeClr val="accent1"/>
+          </a:lnRef>
+          <a:fillRef idx="0">
+            <a:schemeClr val="accent1"/>
+          </a:fillRef>
+          <a:effectRef idx="0">
+            <a:schemeClr val="accent1"/>
+          </a:effectRef>
+          <a:fontRef idx="minor">
+            <a:schemeClr val="tx1"/>
+          </a:fontRef>
+        </p:style>
+      </p:cxnSp>
+      <p:cxnSp>
+        <p:nvCxnSpPr>
+          <p:cNvPr id="31" name="直接箭头连接符 30"/>
+          <p:cNvCxnSpPr>
+            <a:stCxn id="17" idx="3"/>
+            <a:endCxn id="22" idx="1"/>
+          </p:cNvCxnSpPr>
+          <p:nvPr/>
+        </p:nvCxnSpPr>
+        <p:spPr>
+          <a:xfrm flipV="1">
+            <a:off x="3428992" y="5607859"/>
+            <a:ext cx="1785950" cy="1035851"/>
+          </a:xfrm>
+          <a:prstGeom prst="straightConnector1">
+            <a:avLst/>
+          </a:prstGeom>
+          <a:ln>
+            <a:tailEnd type="arrow"/>
+          </a:ln>
+        </p:spPr>
+        <p:style>
+          <a:lnRef idx="1">
+            <a:schemeClr val="accent1"/>
+          </a:lnRef>
+          <a:fillRef idx="0">
+            <a:schemeClr val="accent1"/>
+          </a:fillRef>
+          <a:effectRef idx="0">
+            <a:schemeClr val="accent1"/>
+          </a:effectRef>
+          <a:fontRef idx="minor">
+            <a:schemeClr val="tx1"/>
+          </a:fontRef>
+        </p:style>
+      </p:cxnSp>
+      <p:sp>
+        <p:nvSpPr>
+          <p:cNvPr id="32" name="椭圆 31"/>
+          <p:cNvSpPr/>
+          <p:nvPr/>
+        </p:nvSpPr>
+        <p:spPr>
+          <a:xfrm>
+            <a:off x="4429124" y="1000108"/>
+            <a:ext cx="1643074" cy="1428760"/>
+          </a:xfrm>
+          <a:prstGeom prst="ellipse">
+            <a:avLst/>
+          </a:prstGeom>
+        </p:spPr>
+        <p:style>
+          <a:lnRef idx="3">
+            <a:schemeClr val="lt1"/>
+          </a:lnRef>
+          <a:fillRef idx="1">
+            <a:schemeClr val="accent5"/>
+          </a:fillRef>
+          <a:effectRef idx="1">
+            <a:schemeClr val="accent5"/>
+          </a:effectRef>
+          <a:fontRef idx="minor">
+            <a:schemeClr val="lt1"/>
+          </a:fontRef>
+        </p:style>
+        <p:txBody>
+          <a:bodyPr rtlCol="0" anchor="ctr"/>
+          <a:lstStyle/>
+          <a:p>
+            <a:pPr algn="ctr"/>
+            <a:r>
+              <a:rPr lang="zh-CN" altLang="en-US" dirty="0" smtClean="0"/>
+              <a:t>指数</a:t>
+            </a:r>
+            <a:endParaRPr lang="zh-CN" altLang="en-US" dirty="0"/>
+          </a:p>
+        </p:txBody>
+      </p:sp>
+      <p:sp>
+        <p:nvSpPr>
+          <p:cNvPr id="33" name="椭圆 32"/>
+          <p:cNvSpPr/>
+          <p:nvPr/>
+        </p:nvSpPr>
+        <p:spPr>
+          <a:xfrm>
+            <a:off x="5643570" y="1071546"/>
+            <a:ext cx="1643074" cy="1357322"/>
+          </a:xfrm>
+          <a:prstGeom prst="ellipse">
+            <a:avLst/>
+          </a:prstGeom>
+        </p:spPr>
+        <p:style>
+          <a:lnRef idx="3">
+            <a:schemeClr val="lt1"/>
+          </a:lnRef>
+          <a:fillRef idx="1">
+            <a:schemeClr val="accent6"/>
+          </a:fillRef>
+          <a:effectRef idx="1">
+            <a:schemeClr val="accent6"/>
+          </a:effectRef>
+          <a:fontRef idx="minor">
+            <a:schemeClr val="lt1"/>
+          </a:fontRef>
+        </p:style>
+        <p:txBody>
+          <a:bodyPr rtlCol="0" anchor="ctr"/>
+          <a:lstStyle/>
+          <a:p>
+            <a:pPr algn="ctr"/>
+            <a:r>
+              <a:rPr lang="zh-CN" altLang="en-US" dirty="0" smtClean="0"/>
+              <a:t>情绪</a:t>
+            </a:r>
+            <a:endParaRPr lang="zh-CN" altLang="en-US" dirty="0"/>
+          </a:p>
+        </p:txBody>
+      </p:sp>
     </p:spTree>
   </p:cSld>
   <p:clrMapOvr>
@@ -5642,7 +6320,7 @@
         </p:nvSpPr>
         <p:spPr>
           <a:xfrm>
-            <a:off x="7215174" y="0"/>
+            <a:off x="7215206" y="0"/>
             <a:ext cx="1928826" cy="428604"/>
           </a:xfrm>
           <a:prstGeom prst="rect">
@@ -5670,7 +6348,7 @@
             <a:pPr algn="ctr"/>
             <a:r>
               <a:rPr lang="en-US" altLang="zh-CN" b="1" dirty="0" smtClean="0"/>
-              <a:t>2020.4.2</a:t>
+              <a:t>2020.4.3</a:t>
             </a:r>
             <a:r>
               <a:rPr lang="zh-CN" altLang="en-US" b="1" dirty="0" smtClean="0"/>
@@ -5682,7 +6360,7 @@
       </p:sp>
       <p:pic>
         <p:nvPicPr>
-          <p:cNvPr id="1026" name="Picture 2" descr="https://image.taoguba.com.cn/img/2020/04/02/eqlbofs8seqe.jpg_760w.png"/>
+          <p:cNvPr id="13314" name="Picture 2" descr="gj6084rxfl4f.jpg_max.png (334Ã1280)"/>
           <p:cNvPicPr>
             <a:picLocks noChangeAspect="1" noChangeArrowheads="1"/>
           </p:cNvPicPr>
@@ -5690,15 +6368,15 @@
         </p:nvPicPr>
         <p:blipFill>
           <a:blip r:embed="rId2"/>
-          <a:srcRect t="23385" r="141" b="2786"/>
+          <a:srcRect t="44532" r="1197" b="976"/>
           <a:stretch>
             <a:fillRect/>
           </a:stretch>
         </p:blipFill>
         <p:spPr bwMode="auto">
           <a:xfrm>
-            <a:off x="84137" y="571480"/>
-            <a:ext cx="3702045" cy="6215106"/>
+            <a:off x="71406" y="71414"/>
+            <a:ext cx="3143272" cy="6643734"/>
           </a:xfrm>
           <a:prstGeom prst="rect">
             <a:avLst/>
@@ -5714,8 +6392,8 @@
         </p:nvSpPr>
         <p:spPr>
           <a:xfrm>
-            <a:off x="142844" y="1071546"/>
-            <a:ext cx="3429024" cy="1214446"/>
+            <a:off x="142844" y="1554028"/>
+            <a:ext cx="2928958" cy="785818"/>
           </a:xfrm>
           <a:prstGeom prst="rect">
             <a:avLst/>
@@ -5747,69 +6425,19 @@
           </a:p>
         </p:txBody>
       </p:sp>
-      <p:sp>
-        <p:nvSpPr>
-          <p:cNvPr id="7" name="矩形 6"/>
-          <p:cNvSpPr/>
-          <p:nvPr/>
-        </p:nvSpPr>
-        <p:spPr>
-          <a:xfrm>
-            <a:off x="5214942" y="928670"/>
-            <a:ext cx="1714512" cy="714380"/>
-          </a:xfrm>
-          <a:prstGeom prst="rect">
-            <a:avLst/>
-          </a:prstGeom>
-        </p:spPr>
-        <p:style>
-          <a:lnRef idx="3">
-            <a:schemeClr val="lt1"/>
-          </a:lnRef>
-          <a:fillRef idx="1">
-            <a:schemeClr val="accent6"/>
-          </a:fillRef>
-          <a:effectRef idx="1">
-            <a:schemeClr val="accent6"/>
-          </a:effectRef>
-          <a:fontRef idx="minor">
-            <a:schemeClr val="lt1"/>
-          </a:fontRef>
-        </p:style>
-        <p:txBody>
-          <a:bodyPr rtlCol="0" anchor="ctr"/>
-          <a:lstStyle/>
-          <a:p>
-            <a:pPr algn="ctr"/>
-            <a:r>
-              <a:rPr lang="zh-CN" altLang="en-US" sz="1200" dirty="0" smtClean="0"/>
-              <a:t>格局</a:t>
-            </a:r>
-            <a:r>
-              <a:rPr lang="en-US" altLang="zh-CN" sz="1200" dirty="0" smtClean="0"/>
-              <a:t>4.1</a:t>
-            </a:r>
-            <a:r>
-              <a:rPr lang="zh-CN" altLang="en-US" sz="1200" dirty="0" smtClean="0"/>
-              <a:t>日盘面做出的策略，卖科技买疫情农业消费，控制仓位</a:t>
-            </a:r>
-            <a:endParaRPr lang="en-US" altLang="zh-CN" sz="1200" dirty="0" smtClean="0"/>
-          </a:p>
-        </p:txBody>
-      </p:sp>
       <p:cxnSp>
         <p:nvCxnSpPr>
-          <p:cNvPr id="9" name="肘形连接符 8"/>
+          <p:cNvPr id="8" name="形状 7"/>
           <p:cNvCxnSpPr>
             <a:stCxn id="6" idx="3"/>
-            <a:endCxn id="7" idx="1"/>
+            <a:endCxn id="9" idx="1"/>
           </p:cNvCxnSpPr>
           <p:nvPr/>
         </p:nvCxnSpPr>
         <p:spPr>
           <a:xfrm flipV="1">
-            <a:off x="3571868" y="1285860"/>
-            <a:ext cx="1643074" cy="392909"/>
+            <a:off x="3071802" y="1428736"/>
+            <a:ext cx="1857388" cy="518201"/>
           </a:xfrm>
           <a:prstGeom prst="bentConnector3">
             <a:avLst>
@@ -5837,14 +6465,56 @@
       </p:cxnSp>
       <p:sp>
         <p:nvSpPr>
-          <p:cNvPr id="14" name="矩形 13"/>
+          <p:cNvPr id="9" name="矩形 8"/>
           <p:cNvSpPr/>
           <p:nvPr/>
         </p:nvSpPr>
         <p:spPr>
           <a:xfrm>
-            <a:off x="142844" y="2321160"/>
-            <a:ext cx="3429024" cy="536336"/>
+            <a:off x="4929190" y="1071546"/>
+            <a:ext cx="1500198" cy="714380"/>
+          </a:xfrm>
+          <a:prstGeom prst="rect">
+            <a:avLst/>
+          </a:prstGeom>
+        </p:spPr>
+        <p:style>
+          <a:lnRef idx="3">
+            <a:schemeClr val="lt1"/>
+          </a:lnRef>
+          <a:fillRef idx="1">
+            <a:schemeClr val="accent6"/>
+          </a:fillRef>
+          <a:effectRef idx="1">
+            <a:schemeClr val="accent6"/>
+          </a:effectRef>
+          <a:fontRef idx="minor">
+            <a:schemeClr val="lt1"/>
+          </a:fontRef>
+        </p:style>
+        <p:txBody>
+          <a:bodyPr rtlCol="0" anchor="ctr"/>
+          <a:lstStyle/>
+          <a:p>
+            <a:pPr algn="ctr"/>
+            <a:r>
+              <a:rPr lang="zh-CN" altLang="en-US" sz="1200" dirty="0" smtClean="0"/>
+              <a:t>预判当天拿先手：可以是前期强势股 科技股潜伏 </a:t>
+            </a:r>
+            <a:endParaRPr lang="zh-CN" altLang="en-US" sz="1200" dirty="0"/>
+          </a:p>
+        </p:txBody>
+      </p:sp>
+      <p:sp>
+        <p:nvSpPr>
+          <p:cNvPr id="12" name="矩形 11"/>
+          <p:cNvSpPr/>
+          <p:nvPr/>
+        </p:nvSpPr>
+        <p:spPr>
+          <a:xfrm>
+            <a:off x="142844" y="3214686"/>
+            <a:ext cx="2928958" cy="785818"/>
           </a:xfrm>
           <a:prstGeom prst="rect">
             <a:avLst/>
@@ -5853,16 +6523,18 @@
         </p:spPr>
         <p:style>
           <a:lnRef idx="2">
+            <a:schemeClr val="accent2">
+              <a:shade val="50000"/>
+            </a:schemeClr>
+          </a:lnRef>
+          <a:fillRef idx="1">
             <a:schemeClr val="accent2"/>
-          </a:lnRef>
-          <a:fillRef idx="1">
-            <a:schemeClr val="lt1"/>
           </a:fillRef>
           <a:effectRef idx="0">
             <a:schemeClr val="accent2"/>
           </a:effectRef>
           <a:fontRef idx="minor">
-            <a:schemeClr val="dk1"/>
+            <a:schemeClr val="lt1"/>
           </a:fontRef>
         </p:style>
         <p:txBody>
@@ -5876,14 +6548,14 @@
       </p:sp>
       <p:sp>
         <p:nvSpPr>
-          <p:cNvPr id="15" name="矩形 14"/>
+          <p:cNvPr id="13" name="矩形 12"/>
           <p:cNvSpPr/>
           <p:nvPr/>
         </p:nvSpPr>
         <p:spPr>
           <a:xfrm>
-            <a:off x="5143504" y="2143116"/>
-            <a:ext cx="2714644" cy="785818"/>
+            <a:off x="5000628" y="3929066"/>
+            <a:ext cx="2000264" cy="785818"/>
           </a:xfrm>
           <a:prstGeom prst="rect">
             <a:avLst/>
@@ -5910,39 +6582,31 @@
             <a:pPr algn="ctr"/>
             <a:r>
               <a:rPr lang="zh-CN" altLang="en-US" sz="1200" dirty="0" smtClean="0"/>
-              <a:t>农业消费</a:t>
+              <a:t>这里预判</a:t>
             </a:r>
             <a:r>
               <a:rPr lang="en-US" altLang="zh-CN" sz="1200" dirty="0" smtClean="0"/>
-              <a:t>(</a:t>
+              <a:t>4.3</a:t>
             </a:r>
             <a:r>
               <a:rPr lang="zh-CN" altLang="en-US" sz="1200" dirty="0" smtClean="0"/>
-              <a:t>金健米业</a:t>
+              <a:t>日，科技股没有持续性，呼吸机 农业走强 那么可以半路或者低吸口罩股</a:t>
             </a:r>
             <a:r>
               <a:rPr lang="en-US" altLang="zh-CN" sz="1200" dirty="0" smtClean="0"/>
-              <a:t>)</a:t>
+              <a:t>-</a:t>
             </a:r>
             <a:r>
               <a:rPr lang="zh-CN" altLang="en-US" sz="1200" dirty="0" smtClean="0"/>
-              <a:t>，疫情呼吸机</a:t>
+              <a:t>道恩股份</a:t>
             </a:r>
             <a:r>
               <a:rPr lang="en-US" altLang="zh-CN" sz="1200" dirty="0" smtClean="0"/>
-              <a:t>(</a:t>
+              <a:t>-</a:t>
             </a:r>
             <a:r>
               <a:rPr lang="zh-CN" altLang="en-US" sz="1200" dirty="0" smtClean="0"/>
-              <a:t>航天长峰，何佳医疗继续逼空</a:t>
-            </a:r>
-            <a:r>
-              <a:rPr lang="en-US" altLang="zh-CN" sz="1200" dirty="0" smtClean="0"/>
-              <a:t>)</a:t>
-            </a:r>
-            <a:r>
-              <a:rPr lang="zh-CN" altLang="en-US" sz="1200" dirty="0" smtClean="0"/>
-              <a:t>，但是板块却开始调整，控制仓位</a:t>
+              <a:t>国恩股份</a:t>
             </a:r>
             <a:endParaRPr lang="zh-CN" altLang="en-US" sz="1200" dirty="0"/>
           </a:p>
@@ -5950,17 +6614,17 @@
       </p:sp>
       <p:cxnSp>
         <p:nvCxnSpPr>
-          <p:cNvPr id="17" name="肘形连接符 16"/>
+          <p:cNvPr id="15" name="肘形连接符 14"/>
           <p:cNvCxnSpPr>
-            <a:stCxn id="14" idx="3"/>
-            <a:endCxn id="15" idx="1"/>
+            <a:stCxn id="12" idx="3"/>
+            <a:endCxn id="13" idx="1"/>
           </p:cNvCxnSpPr>
           <p:nvPr/>
         </p:nvCxnSpPr>
         <p:spPr>
-          <a:xfrm flipV="1">
-            <a:off x="3571868" y="2536025"/>
-            <a:ext cx="1571636" cy="53303"/>
+          <a:xfrm>
+            <a:off x="3071802" y="3607595"/>
+            <a:ext cx="1928826" cy="714380"/>
           </a:xfrm>
           <a:prstGeom prst="bentConnector3">
             <a:avLst>
@@ -5988,14 +6652,14 @@
       </p:cxnSp>
       <p:sp>
         <p:nvSpPr>
-          <p:cNvPr id="18" name="矩形 17"/>
+          <p:cNvPr id="16" name="矩形 15"/>
           <p:cNvSpPr/>
           <p:nvPr/>
         </p:nvSpPr>
         <p:spPr>
           <a:xfrm>
-            <a:off x="214282" y="4714884"/>
-            <a:ext cx="1857388" cy="214314"/>
+            <a:off x="142844" y="5143512"/>
+            <a:ext cx="2928958" cy="571504"/>
           </a:xfrm>
           <a:prstGeom prst="rect">
             <a:avLst/>
@@ -6027,14 +6691,14 @@
       </p:sp>
       <p:sp>
         <p:nvSpPr>
-          <p:cNvPr id="19" name="矩形 18"/>
+          <p:cNvPr id="17" name="矩形 16"/>
           <p:cNvSpPr/>
           <p:nvPr/>
         </p:nvSpPr>
         <p:spPr>
           <a:xfrm>
-            <a:off x="5143504" y="3643314"/>
-            <a:ext cx="1928826" cy="714380"/>
+            <a:off x="5072066" y="5143512"/>
+            <a:ext cx="1643074" cy="785818"/>
           </a:xfrm>
           <a:prstGeom prst="rect">
             <a:avLst/>
@@ -6060,47 +6724,8 @@
           <a:p>
             <a:pPr algn="ctr"/>
             <a:r>
-              <a:rPr lang="en-US" altLang="zh-CN" sz="1200" dirty="0" smtClean="0"/>
-              <a:t>1.</a:t>
-            </a:r>
-            <a:r>
               <a:rPr lang="zh-CN" altLang="en-US" sz="1200" dirty="0" smtClean="0"/>
-              <a:t>板块效应</a:t>
-            </a:r>
-            <a:r>
-              <a:rPr lang="en-US" altLang="zh-CN" sz="1200" dirty="0" smtClean="0"/>
-              <a:t>(</a:t>
-            </a:r>
-            <a:r>
-              <a:rPr lang="zh-CN" altLang="en-US" sz="1200" dirty="0" smtClean="0"/>
-              <a:t>盘中观察</a:t>
-            </a:r>
-            <a:r>
-              <a:rPr lang="en-US" altLang="zh-CN" sz="1200" dirty="0" smtClean="0"/>
-              <a:t>)</a:t>
-            </a:r>
-          </a:p>
-          <a:p>
-            <a:pPr algn="ctr"/>
-            <a:r>
-              <a:rPr lang="en-US" altLang="zh-CN" sz="1200" dirty="0" smtClean="0"/>
-              <a:t>2.</a:t>
-            </a:r>
-            <a:r>
-              <a:rPr lang="zh-CN" altLang="en-US" sz="1200" dirty="0" smtClean="0"/>
-              <a:t>新题材智慧城市，仓位应该很小</a:t>
-            </a:r>
-            <a:r>
-              <a:rPr lang="en-US" altLang="zh-CN" sz="1200" dirty="0" smtClean="0"/>
-              <a:t>(</a:t>
-            </a:r>
-            <a:r>
-              <a:rPr lang="zh-CN" altLang="en-US" sz="1200" dirty="0" smtClean="0"/>
-              <a:t>盘中观察</a:t>
-            </a:r>
-            <a:r>
-              <a:rPr lang="en-US" altLang="zh-CN" sz="1200" dirty="0" smtClean="0"/>
-              <a:t>)</a:t>
+              <a:t>缩量，资金流向方向乱，高位谨慎，接力谨慎</a:t>
             </a:r>
             <a:endParaRPr lang="zh-CN" altLang="en-US" sz="1200" dirty="0"/>
           </a:p>
@@ -6108,17 +6733,17 @@
       </p:sp>
       <p:cxnSp>
         <p:nvCxnSpPr>
-          <p:cNvPr id="21" name="肘形连接符 20"/>
+          <p:cNvPr id="19" name="肘形连接符 18"/>
           <p:cNvCxnSpPr>
-            <a:stCxn id="18" idx="3"/>
-            <a:endCxn id="19" idx="1"/>
+            <a:stCxn id="16" idx="3"/>
+            <a:endCxn id="17" idx="1"/>
           </p:cNvCxnSpPr>
           <p:nvPr/>
         </p:nvCxnSpPr>
         <p:spPr>
-          <a:xfrm flipV="1">
-            <a:off x="2071670" y="4000504"/>
-            <a:ext cx="3071834" cy="821537"/>
+          <a:xfrm>
+            <a:off x="3071802" y="5429264"/>
+            <a:ext cx="2000264" cy="107157"/>
           </a:xfrm>
           <a:prstGeom prst="bentConnector3">
             <a:avLst>
@@ -6131,13 +6756,13 @@
         </p:spPr>
         <p:style>
           <a:lnRef idx="1">
-            <a:schemeClr val="accent6"/>
+            <a:schemeClr val="accent2"/>
           </a:lnRef>
           <a:fillRef idx="0">
-            <a:schemeClr val="accent6"/>
+            <a:schemeClr val="accent2"/>
           </a:fillRef>
           <a:effectRef idx="0">
-            <a:schemeClr val="accent6"/>
+            <a:schemeClr val="accent2"/>
           </a:effectRef>
           <a:fontRef idx="minor">
             <a:schemeClr val="tx1"/>
@@ -6146,14 +6771,14 @@
       </p:cxnSp>
       <p:sp>
         <p:nvSpPr>
-          <p:cNvPr id="22" name="矩形 21"/>
+          <p:cNvPr id="25" name="矩形 24"/>
           <p:cNvSpPr/>
           <p:nvPr/>
         </p:nvSpPr>
         <p:spPr>
           <a:xfrm>
-            <a:off x="214282" y="5000636"/>
-            <a:ext cx="2428892" cy="285752"/>
+            <a:off x="142844" y="2786058"/>
+            <a:ext cx="1571636" cy="214314"/>
           </a:xfrm>
           <a:prstGeom prst="rect">
             <a:avLst/>
@@ -6185,14 +6810,14 @@
       </p:sp>
       <p:sp>
         <p:nvSpPr>
-          <p:cNvPr id="23" name="矩形 22"/>
+          <p:cNvPr id="26" name="矩形 25"/>
           <p:cNvSpPr/>
           <p:nvPr/>
         </p:nvSpPr>
         <p:spPr>
           <a:xfrm>
-            <a:off x="5143504" y="4929198"/>
-            <a:ext cx="2500330" cy="914400"/>
+            <a:off x="5072066" y="2428868"/>
+            <a:ext cx="1928826" cy="785818"/>
           </a:xfrm>
           <a:prstGeom prst="rect">
             <a:avLst/>
@@ -6218,91 +6843,8 @@
           <a:p>
             <a:pPr algn="ctr"/>
             <a:r>
-              <a:rPr lang="en-US" altLang="zh-CN" sz="1200" dirty="0" smtClean="0"/>
-              <a:t>1.</a:t>
-            </a:r>
-            <a:r>
               <a:rPr lang="zh-CN" altLang="en-US" sz="1200" dirty="0" smtClean="0"/>
-              <a:t>呼吸机</a:t>
-            </a:r>
-            <a:r>
-              <a:rPr lang="en-US" altLang="zh-CN" sz="1200" dirty="0" smtClean="0"/>
-              <a:t>-</a:t>
-            </a:r>
-            <a:r>
-              <a:rPr lang="zh-CN" altLang="en-US" sz="1200" dirty="0" smtClean="0"/>
-              <a:t>鱼跃医疗</a:t>
-            </a:r>
-            <a:endParaRPr lang="en-US" altLang="zh-CN" sz="1200" dirty="0" smtClean="0"/>
-          </a:p>
-          <a:p>
-            <a:pPr algn="ctr"/>
-            <a:r>
-              <a:rPr lang="en-US" altLang="zh-CN" sz="1200" dirty="0" smtClean="0"/>
-              <a:t>2.</a:t>
-            </a:r>
-            <a:r>
-              <a:rPr lang="zh-CN" altLang="en-US" sz="1200" dirty="0" smtClean="0"/>
-              <a:t>前期强势股</a:t>
-            </a:r>
-            <a:r>
-              <a:rPr lang="en-US" altLang="zh-CN" sz="1200" dirty="0" smtClean="0"/>
-              <a:t>-</a:t>
-            </a:r>
-            <a:r>
-              <a:rPr lang="zh-CN" altLang="en-US" sz="1200" dirty="0" smtClean="0"/>
-              <a:t>顺威股份</a:t>
-            </a:r>
-            <a:r>
-              <a:rPr lang="en-US" altLang="zh-CN" sz="1200" dirty="0" smtClean="0"/>
-              <a:t>(</a:t>
-            </a:r>
-            <a:r>
-              <a:rPr lang="zh-CN" altLang="en-US" sz="1200" dirty="0" smtClean="0"/>
-              <a:t>拿先手</a:t>
-            </a:r>
-            <a:r>
-              <a:rPr lang="en-US" altLang="zh-CN" sz="1200" dirty="0" smtClean="0"/>
-              <a:t>)</a:t>
-            </a:r>
-          </a:p>
-          <a:p>
-            <a:pPr algn="ctr"/>
-            <a:r>
-              <a:rPr lang="en-US" altLang="zh-CN" sz="1200" dirty="0" smtClean="0"/>
-              <a:t>3.</a:t>
-            </a:r>
-            <a:r>
-              <a:rPr lang="zh-CN" altLang="en-US" sz="1200" dirty="0" smtClean="0"/>
-              <a:t>潜伏当天主流题材</a:t>
-            </a:r>
-            <a:endParaRPr lang="en-US" altLang="zh-CN" sz="1200" dirty="0" smtClean="0"/>
-          </a:p>
-          <a:p>
-            <a:pPr algn="ctr"/>
-            <a:r>
-              <a:rPr lang="en-US" altLang="zh-CN" sz="1200" dirty="0" smtClean="0"/>
-              <a:t>4.</a:t>
-            </a:r>
-            <a:r>
-              <a:rPr lang="zh-CN" altLang="en-US" sz="1200" dirty="0" smtClean="0"/>
-              <a:t>流动性恢复</a:t>
-            </a:r>
-            <a:r>
-              <a:rPr lang="en-US" altLang="zh-CN" sz="1200" dirty="0" smtClean="0"/>
-              <a:t>-</a:t>
-            </a:r>
-            <a:r>
-              <a:rPr lang="zh-CN" altLang="en-US" sz="1200" dirty="0" smtClean="0"/>
-              <a:t>次新股</a:t>
-            </a:r>
-            <a:r>
-              <a:rPr lang="en-US" altLang="zh-CN" sz="1200" dirty="0" smtClean="0"/>
-              <a:t>-</a:t>
-            </a:r>
-            <a:r>
-              <a:rPr lang="zh-CN" altLang="en-US" sz="1200" dirty="0" smtClean="0"/>
-              <a:t>天箭股份</a:t>
+              <a:t>因为科技涨停接力隔天走势很弱，表明资金潜伏意愿更强，反弹卖出</a:t>
             </a:r>
             <a:endParaRPr lang="zh-CN" altLang="en-US" sz="1200" dirty="0"/>
           </a:p>
@@ -6310,17 +6852,17 @@
       </p:sp>
       <p:cxnSp>
         <p:nvCxnSpPr>
-          <p:cNvPr id="25" name="肘形连接符 24"/>
+          <p:cNvPr id="28" name="肘形连接符 27"/>
           <p:cNvCxnSpPr>
-            <a:stCxn id="22" idx="3"/>
-            <a:endCxn id="23" idx="1"/>
+            <a:stCxn id="25" idx="3"/>
+            <a:endCxn id="26" idx="1"/>
           </p:cNvCxnSpPr>
           <p:nvPr/>
         </p:nvCxnSpPr>
         <p:spPr>
-          <a:xfrm>
-            <a:off x="2643174" y="5143512"/>
-            <a:ext cx="2500330" cy="242886"/>
+          <a:xfrm flipV="1">
+            <a:off x="1714480" y="2821777"/>
+            <a:ext cx="3357586" cy="71438"/>
           </a:xfrm>
           <a:prstGeom prst="bentConnector3">
             <a:avLst>
@@ -6407,7 +6949,7 @@
             <a:pPr algn="ctr"/>
             <a:r>
               <a:rPr lang="en-US" altLang="zh-CN" b="1" dirty="0" smtClean="0"/>
-              <a:t>2020.4.1</a:t>
+              <a:t>2020.4.2</a:t>
             </a:r>
             <a:r>
               <a:rPr lang="zh-CN" altLang="en-US" b="1" dirty="0" smtClean="0"/>
@@ -6419,7 +6961,7 @@
       </p:sp>
       <p:pic>
         <p:nvPicPr>
-          <p:cNvPr id="16386" name="Picture 2" descr="enjpcoxxbdfa.jpg_760w.png (249Ã1280)"/>
+          <p:cNvPr id="1026" name="Picture 2" descr="https://image.taoguba.com.cn/img/2020/04/02/eqlbofs8seqe.jpg_760w.png"/>
           <p:cNvPicPr>
             <a:picLocks noChangeAspect="1" noChangeArrowheads="1"/>
           </p:cNvPicPr>
@@ -6427,71 +6969,63 @@
         </p:nvPicPr>
         <p:blipFill>
           <a:blip r:embed="rId2"/>
-          <a:srcRect t="49805"/>
+          <a:srcRect t="23385" r="141" b="2786"/>
           <a:stretch>
             <a:fillRect/>
           </a:stretch>
         </p:blipFill>
         <p:spPr bwMode="auto">
           <a:xfrm>
-            <a:off x="71406" y="428604"/>
-            <a:ext cx="2371725" cy="6119770"/>
+            <a:off x="84137" y="571480"/>
+            <a:ext cx="3702045" cy="6215106"/>
           </a:xfrm>
           <a:prstGeom prst="rect">
             <a:avLst/>
           </a:prstGeom>
           <a:noFill/>
-          <a:ln>
-            <a:solidFill>
-              <a:schemeClr val="accent2"/>
-            </a:solidFill>
-          </a:ln>
         </p:spPr>
       </p:pic>
-      <p:pic>
-        <p:nvPicPr>
-          <p:cNvPr id="16388" name="Picture 4" descr="enjpcoxxbdfa.jpg_760w.png (249Ã1280)"/>
-          <p:cNvPicPr>
-            <a:picLocks noChangeAspect="1" noChangeArrowheads="1"/>
-          </p:cNvPicPr>
-          <p:nvPr/>
-        </p:nvPicPr>
-        <p:blipFill>
-          <a:blip r:embed="rId2"/>
-          <a:srcRect t="30469" r="602" b="41992"/>
-          <a:stretch>
-            <a:fillRect/>
-          </a:stretch>
-        </p:blipFill>
-        <p:spPr bwMode="auto">
-          <a:xfrm>
-            <a:off x="6286512" y="1714488"/>
-            <a:ext cx="2357454" cy="3357586"/>
-          </a:xfrm>
-          <a:prstGeom prst="rect">
-            <a:avLst/>
-          </a:prstGeom>
-          <a:ln>
-            <a:solidFill>
-              <a:schemeClr val="accent2"/>
-            </a:solidFill>
-          </a:ln>
+      <p:sp>
+        <p:nvSpPr>
+          <p:cNvPr id="6" name="矩形 5"/>
+          <p:cNvSpPr/>
+          <p:nvPr/>
+        </p:nvSpPr>
+        <p:spPr>
+          <a:xfrm>
+            <a:off x="142844" y="1071546"/>
+            <a:ext cx="3429024" cy="1214446"/>
+          </a:xfrm>
+          <a:prstGeom prst="rect">
+            <a:avLst/>
+          </a:prstGeom>
+          <a:noFill/>
         </p:spPr>
         <p:style>
           <a:lnRef idx="2">
+            <a:schemeClr val="accent2">
+              <a:shade val="50000"/>
+            </a:schemeClr>
+          </a:lnRef>
+          <a:fillRef idx="1">
             <a:schemeClr val="accent2"/>
-          </a:lnRef>
-          <a:fillRef idx="1">
-            <a:schemeClr val="lt1"/>
           </a:fillRef>
           <a:effectRef idx="0">
             <a:schemeClr val="accent2"/>
           </a:effectRef>
           <a:fontRef idx="minor">
-            <a:schemeClr val="dk1"/>
-          </a:fontRef>
-        </p:style>
-      </p:pic>
+            <a:schemeClr val="lt1"/>
+          </a:fontRef>
+        </p:style>
+        <p:txBody>
+          <a:bodyPr rtlCol="0" anchor="ctr"/>
+          <a:lstStyle/>
+          <a:p>
+            <a:pPr algn="ctr"/>
+            <a:endParaRPr lang="zh-CN" altLang="en-US"/>
+          </a:p>
+        </p:txBody>
+      </p:sp>
       <p:sp>
         <p:nvSpPr>
           <p:cNvPr id="7" name="矩形 6"/>
@@ -6500,26 +7034,25 @@
         </p:nvSpPr>
         <p:spPr>
           <a:xfrm>
-            <a:off x="6357950" y="2357430"/>
-            <a:ext cx="2214578" cy="892424"/>
-          </a:xfrm>
-          <a:prstGeom prst="rect">
-            <a:avLst/>
-          </a:prstGeom>
-          <a:noFill/>
-        </p:spPr>
-        <p:style>
-          <a:lnRef idx="2">
-            <a:schemeClr val="accent2"/>
+            <a:off x="5214942" y="928670"/>
+            <a:ext cx="1714512" cy="714380"/>
+          </a:xfrm>
+          <a:prstGeom prst="rect">
+            <a:avLst/>
+          </a:prstGeom>
+        </p:spPr>
+        <p:style>
+          <a:lnRef idx="3">
+            <a:schemeClr val="lt1"/>
           </a:lnRef>
           <a:fillRef idx="1">
-            <a:schemeClr val="lt1"/>
-          </a:fillRef>
-          <a:effectRef idx="0">
-            <a:schemeClr val="accent2"/>
-          </a:effectRef>
-          <a:fontRef idx="minor">
-            <a:schemeClr val="dk1"/>
+            <a:schemeClr val="accent6"/>
+          </a:fillRef>
+          <a:effectRef idx="1">
+            <a:schemeClr val="accent6"/>
+          </a:effectRef>
+          <a:fontRef idx="minor">
+            <a:schemeClr val="lt1"/>
           </a:fontRef>
         </p:style>
         <p:txBody>
@@ -6527,65 +7060,35 @@
           <a:lstStyle/>
           <a:p>
             <a:pPr algn="ctr"/>
-            <a:endParaRPr lang="zh-CN" altLang="en-US"/>
-          </a:p>
-        </p:txBody>
-      </p:sp>
-      <p:sp>
-        <p:nvSpPr>
-          <p:cNvPr id="8" name="矩形 7"/>
-          <p:cNvSpPr/>
-          <p:nvPr/>
-        </p:nvSpPr>
-        <p:spPr>
-          <a:xfrm>
-            <a:off x="3786182" y="2446452"/>
-            <a:ext cx="1571636" cy="714380"/>
-          </a:xfrm>
-          <a:prstGeom prst="rect">
-            <a:avLst/>
-          </a:prstGeom>
-        </p:spPr>
-        <p:style>
-          <a:lnRef idx="3">
-            <a:schemeClr val="lt1"/>
-          </a:lnRef>
-          <a:fillRef idx="1">
-            <a:schemeClr val="accent6"/>
-          </a:fillRef>
-          <a:effectRef idx="1">
-            <a:schemeClr val="accent6"/>
-          </a:effectRef>
-          <a:fontRef idx="minor">
-            <a:schemeClr val="lt1"/>
-          </a:fontRef>
-        </p:style>
-        <p:txBody>
-          <a:bodyPr rtlCol="0" anchor="ctr"/>
-          <a:lstStyle/>
-          <a:p>
-            <a:pPr algn="ctr"/>
             <a:r>
               <a:rPr lang="zh-CN" altLang="en-US" sz="1200" dirty="0" smtClean="0"/>
-              <a:t>情绪票崩，推仓位避险票，但是仓位不能过大，防止不跌</a:t>
-            </a:r>
-            <a:endParaRPr lang="zh-CN" altLang="en-US" sz="1200" dirty="0"/>
+              <a:t>格局</a:t>
+            </a:r>
+            <a:r>
+              <a:rPr lang="en-US" altLang="zh-CN" sz="1200" dirty="0" smtClean="0"/>
+              <a:t>4.1</a:t>
+            </a:r>
+            <a:r>
+              <a:rPr lang="zh-CN" altLang="en-US" sz="1200" dirty="0" smtClean="0"/>
+              <a:t>日盘面做出的策略，卖科技买疫情农业消费，控制仓位</a:t>
+            </a:r>
+            <a:endParaRPr lang="en-US" altLang="zh-CN" sz="1200" dirty="0" smtClean="0"/>
           </a:p>
         </p:txBody>
       </p:sp>
       <p:cxnSp>
         <p:nvCxnSpPr>
-          <p:cNvPr id="10" name="肘形连接符 9"/>
+          <p:cNvPr id="9" name="肘形连接符 8"/>
           <p:cNvCxnSpPr>
-            <a:stCxn id="7" idx="1"/>
-            <a:endCxn id="8" idx="3"/>
+            <a:stCxn id="6" idx="3"/>
+            <a:endCxn id="7" idx="1"/>
           </p:cNvCxnSpPr>
           <p:nvPr/>
         </p:nvCxnSpPr>
         <p:spPr>
-          <a:xfrm rot="10800000">
-            <a:off x="5357818" y="2803642"/>
-            <a:ext cx="1000132" cy="1588"/>
+          <a:xfrm flipV="1">
+            <a:off x="3571868" y="1285860"/>
+            <a:ext cx="1643074" cy="392909"/>
           </a:xfrm>
           <a:prstGeom prst="bentConnector3">
             <a:avLst>
@@ -6613,14 +7116,14 @@
       </p:cxnSp>
       <p:sp>
         <p:nvSpPr>
-          <p:cNvPr id="11" name="矩形 10"/>
+          <p:cNvPr id="14" name="矩形 13"/>
           <p:cNvSpPr/>
           <p:nvPr/>
         </p:nvSpPr>
         <p:spPr>
           <a:xfrm>
-            <a:off x="6357950" y="3429000"/>
-            <a:ext cx="2214578" cy="571504"/>
+            <a:off x="142844" y="2321160"/>
+            <a:ext cx="3429024" cy="536336"/>
           </a:xfrm>
           <a:prstGeom prst="rect">
             <a:avLst/>
@@ -6652,14 +7155,14 @@
       </p:sp>
       <p:sp>
         <p:nvSpPr>
-          <p:cNvPr id="12" name="矩形 11"/>
+          <p:cNvPr id="15" name="矩形 14"/>
           <p:cNvSpPr/>
           <p:nvPr/>
         </p:nvSpPr>
         <p:spPr>
           <a:xfrm>
-            <a:off x="3786182" y="4429132"/>
-            <a:ext cx="1571636" cy="714380"/>
+            <a:off x="5143504" y="2143116"/>
+            <a:ext cx="2714644" cy="785818"/>
           </a:xfrm>
           <a:prstGeom prst="rect">
             <a:avLst/>
@@ -6686,7 +7189,39 @@
             <a:pPr algn="ctr"/>
             <a:r>
               <a:rPr lang="zh-CN" altLang="en-US" sz="1200" dirty="0" smtClean="0"/>
-              <a:t>午后避险板块继续加强，反倒可能成为情绪，推仓位</a:t>
+              <a:t>农业消费</a:t>
+            </a:r>
+            <a:r>
+              <a:rPr lang="en-US" altLang="zh-CN" sz="1200" dirty="0" smtClean="0"/>
+              <a:t>(</a:t>
+            </a:r>
+            <a:r>
+              <a:rPr lang="zh-CN" altLang="en-US" sz="1200" dirty="0" smtClean="0"/>
+              <a:t>金健米业</a:t>
+            </a:r>
+            <a:r>
+              <a:rPr lang="en-US" altLang="zh-CN" sz="1200" dirty="0" smtClean="0"/>
+              <a:t>)</a:t>
+            </a:r>
+            <a:r>
+              <a:rPr lang="zh-CN" altLang="en-US" sz="1200" dirty="0" smtClean="0"/>
+              <a:t>，疫情呼吸机</a:t>
+            </a:r>
+            <a:r>
+              <a:rPr lang="en-US" altLang="zh-CN" sz="1200" dirty="0" smtClean="0"/>
+              <a:t>(</a:t>
+            </a:r>
+            <a:r>
+              <a:rPr lang="zh-CN" altLang="en-US" sz="1200" dirty="0" smtClean="0"/>
+              <a:t>航天长峰，何佳医疗继续逼空</a:t>
+            </a:r>
+            <a:r>
+              <a:rPr lang="en-US" altLang="zh-CN" sz="1200" dirty="0" smtClean="0"/>
+              <a:t>)</a:t>
+            </a:r>
+            <a:r>
+              <a:rPr lang="zh-CN" altLang="en-US" sz="1200" dirty="0" smtClean="0"/>
+              <a:t>，但是板块却开始调整，控制仓位</a:t>
             </a:r>
             <a:endParaRPr lang="zh-CN" altLang="en-US" sz="1200" dirty="0"/>
           </a:p>
@@ -6694,17 +7229,17 @@
       </p:sp>
       <p:cxnSp>
         <p:nvCxnSpPr>
-          <p:cNvPr id="14" name="肘形连接符 13"/>
+          <p:cNvPr id="17" name="肘形连接符 16"/>
           <p:cNvCxnSpPr>
-            <a:stCxn id="11" idx="1"/>
-            <a:endCxn id="12" idx="3"/>
+            <a:stCxn id="14" idx="3"/>
+            <a:endCxn id="15" idx="1"/>
           </p:cNvCxnSpPr>
           <p:nvPr/>
         </p:nvCxnSpPr>
         <p:spPr>
-          <a:xfrm rot="10800000" flipV="1">
-            <a:off x="5357818" y="3714752"/>
-            <a:ext cx="1000132" cy="1071570"/>
+          <a:xfrm flipV="1">
+            <a:off x="3571868" y="2536025"/>
+            <a:ext cx="1571636" cy="53303"/>
           </a:xfrm>
           <a:prstGeom prst="bentConnector3">
             <a:avLst>
@@ -6732,14 +7267,14 @@
       </p:cxnSp>
       <p:sp>
         <p:nvSpPr>
-          <p:cNvPr id="15" name="矩形 14"/>
+          <p:cNvPr id="18" name="矩形 17"/>
           <p:cNvSpPr/>
           <p:nvPr/>
         </p:nvSpPr>
         <p:spPr>
           <a:xfrm>
-            <a:off x="142844" y="1785926"/>
-            <a:ext cx="2143140" cy="571504"/>
+            <a:off x="214282" y="4714884"/>
+            <a:ext cx="1857388" cy="214314"/>
           </a:xfrm>
           <a:prstGeom prst="rect">
             <a:avLst/>
@@ -6765,20 +7300,20 @@
           <a:lstStyle/>
           <a:p>
             <a:pPr algn="ctr"/>
-            <a:endParaRPr lang="zh-CN" altLang="en-US" dirty="0"/>
-          </a:p>
-        </p:txBody>
-      </p:sp>
-      <p:sp>
-        <p:nvSpPr>
-          <p:cNvPr id="16" name="矩形 15"/>
+            <a:endParaRPr lang="zh-CN" altLang="en-US"/>
+          </a:p>
+        </p:txBody>
+      </p:sp>
+      <p:sp>
+        <p:nvSpPr>
+          <p:cNvPr id="19" name="矩形 18"/>
           <p:cNvSpPr/>
           <p:nvPr/>
         </p:nvSpPr>
         <p:spPr>
           <a:xfrm>
-            <a:off x="3714744" y="1142984"/>
-            <a:ext cx="1500198" cy="557210"/>
+            <a:off x="5143504" y="3643314"/>
+            <a:ext cx="1928826" cy="714380"/>
           </a:xfrm>
           <a:prstGeom prst="rect">
             <a:avLst/>
@@ -6804,16 +7339,47 @@
           <a:p>
             <a:pPr algn="ctr"/>
             <a:r>
+              <a:rPr lang="en-US" altLang="zh-CN" sz="1200" dirty="0" smtClean="0"/>
+              <a:t>1.</a:t>
+            </a:r>
+            <a:r>
               <a:rPr lang="zh-CN" altLang="en-US" sz="1200" dirty="0" smtClean="0"/>
-              <a:t>这说明避险有可能成为</a:t>
-            </a:r>
-            <a:r>
-              <a:rPr lang="zh-CN" altLang="en-US" sz="1200" dirty="0"/>
-              <a:t>主</a:t>
+              <a:t>板块效应</a:t>
+            </a:r>
+            <a:r>
+              <a:rPr lang="en-US" altLang="zh-CN" sz="1200" dirty="0" smtClean="0"/>
+              <a:t>(</a:t>
             </a:r>
             <a:r>
               <a:rPr lang="zh-CN" altLang="en-US" sz="1200" dirty="0" smtClean="0"/>
-              <a:t>升品种</a:t>
+              <a:t>盘中观察</a:t>
+            </a:r>
+            <a:r>
+              <a:rPr lang="en-US" altLang="zh-CN" sz="1200" dirty="0" smtClean="0"/>
+              <a:t>)</a:t>
+            </a:r>
+          </a:p>
+          <a:p>
+            <a:pPr algn="ctr"/>
+            <a:r>
+              <a:rPr lang="en-US" altLang="zh-CN" sz="1200" dirty="0" smtClean="0"/>
+              <a:t>2.</a:t>
+            </a:r>
+            <a:r>
+              <a:rPr lang="zh-CN" altLang="en-US" sz="1200" dirty="0" smtClean="0"/>
+              <a:t>新题材智慧城市，仓位应该很小</a:t>
+            </a:r>
+            <a:r>
+              <a:rPr lang="en-US" altLang="zh-CN" sz="1200" dirty="0" smtClean="0"/>
+              <a:t>(</a:t>
+            </a:r>
+            <a:r>
+              <a:rPr lang="zh-CN" altLang="en-US" sz="1200" dirty="0" smtClean="0"/>
+              <a:t>盘中观察</a:t>
+            </a:r>
+            <a:r>
+              <a:rPr lang="en-US" altLang="zh-CN" sz="1200" dirty="0" smtClean="0"/>
+              <a:t>)</a:t>
             </a:r>
             <a:endParaRPr lang="zh-CN" altLang="en-US" sz="1200" dirty="0"/>
           </a:p>
@@ -6821,17 +7387,219 @@
       </p:sp>
       <p:cxnSp>
         <p:nvCxnSpPr>
-          <p:cNvPr id="18" name="肘形连接符 17"/>
+          <p:cNvPr id="21" name="肘形连接符 20"/>
           <p:cNvCxnSpPr>
-            <a:stCxn id="15" idx="3"/>
-            <a:endCxn id="16" idx="1"/>
+            <a:stCxn id="18" idx="3"/>
+            <a:endCxn id="19" idx="1"/>
           </p:cNvCxnSpPr>
           <p:nvPr/>
         </p:nvCxnSpPr>
         <p:spPr>
           <a:xfrm flipV="1">
-            <a:off x="2285984" y="1421589"/>
-            <a:ext cx="1428760" cy="650089"/>
+            <a:off x="2071670" y="4000504"/>
+            <a:ext cx="3071834" cy="821537"/>
+          </a:xfrm>
+          <a:prstGeom prst="bentConnector3">
+            <a:avLst>
+              <a:gd name="adj1" fmla="val 50000"/>
+            </a:avLst>
+          </a:prstGeom>
+          <a:ln>
+            <a:tailEnd type="arrow"/>
+          </a:ln>
+        </p:spPr>
+        <p:style>
+          <a:lnRef idx="1">
+            <a:schemeClr val="accent6"/>
+          </a:lnRef>
+          <a:fillRef idx="0">
+            <a:schemeClr val="accent6"/>
+          </a:fillRef>
+          <a:effectRef idx="0">
+            <a:schemeClr val="accent6"/>
+          </a:effectRef>
+          <a:fontRef idx="minor">
+            <a:schemeClr val="tx1"/>
+          </a:fontRef>
+        </p:style>
+      </p:cxnSp>
+      <p:sp>
+        <p:nvSpPr>
+          <p:cNvPr id="22" name="矩形 21"/>
+          <p:cNvSpPr/>
+          <p:nvPr/>
+        </p:nvSpPr>
+        <p:spPr>
+          <a:xfrm>
+            <a:off x="214282" y="5000636"/>
+            <a:ext cx="2428892" cy="285752"/>
+          </a:xfrm>
+          <a:prstGeom prst="rect">
+            <a:avLst/>
+          </a:prstGeom>
+          <a:noFill/>
+        </p:spPr>
+        <p:style>
+          <a:lnRef idx="2">
+            <a:schemeClr val="accent2"/>
+          </a:lnRef>
+          <a:fillRef idx="1">
+            <a:schemeClr val="lt1"/>
+          </a:fillRef>
+          <a:effectRef idx="0">
+            <a:schemeClr val="accent2"/>
+          </a:effectRef>
+          <a:fontRef idx="minor">
+            <a:schemeClr val="dk1"/>
+          </a:fontRef>
+        </p:style>
+        <p:txBody>
+          <a:bodyPr rtlCol="0" anchor="ctr"/>
+          <a:lstStyle/>
+          <a:p>
+            <a:pPr algn="ctr"/>
+            <a:endParaRPr lang="zh-CN" altLang="en-US"/>
+          </a:p>
+        </p:txBody>
+      </p:sp>
+      <p:sp>
+        <p:nvSpPr>
+          <p:cNvPr id="23" name="矩形 22"/>
+          <p:cNvSpPr/>
+          <p:nvPr/>
+        </p:nvSpPr>
+        <p:spPr>
+          <a:xfrm>
+            <a:off x="5143504" y="4929198"/>
+            <a:ext cx="2500330" cy="914400"/>
+          </a:xfrm>
+          <a:prstGeom prst="rect">
+            <a:avLst/>
+          </a:prstGeom>
+        </p:spPr>
+        <p:style>
+          <a:lnRef idx="3">
+            <a:schemeClr val="lt1"/>
+          </a:lnRef>
+          <a:fillRef idx="1">
+            <a:schemeClr val="accent6"/>
+          </a:fillRef>
+          <a:effectRef idx="1">
+            <a:schemeClr val="accent6"/>
+          </a:effectRef>
+          <a:fontRef idx="minor">
+            <a:schemeClr val="lt1"/>
+          </a:fontRef>
+        </p:style>
+        <p:txBody>
+          <a:bodyPr rtlCol="0" anchor="ctr"/>
+          <a:lstStyle/>
+          <a:p>
+            <a:pPr algn="ctr"/>
+            <a:r>
+              <a:rPr lang="en-US" altLang="zh-CN" sz="1200" dirty="0" smtClean="0"/>
+              <a:t>1.</a:t>
+            </a:r>
+            <a:r>
+              <a:rPr lang="zh-CN" altLang="en-US" sz="1200" dirty="0" smtClean="0"/>
+              <a:t>呼吸机</a:t>
+            </a:r>
+            <a:r>
+              <a:rPr lang="en-US" altLang="zh-CN" sz="1200" dirty="0" smtClean="0"/>
+              <a:t>-</a:t>
+            </a:r>
+            <a:r>
+              <a:rPr lang="zh-CN" altLang="en-US" sz="1200" dirty="0" smtClean="0"/>
+              <a:t>鱼跃医疗</a:t>
+            </a:r>
+            <a:endParaRPr lang="en-US" altLang="zh-CN" sz="1200" dirty="0" smtClean="0"/>
+          </a:p>
+          <a:p>
+            <a:pPr algn="ctr"/>
+            <a:r>
+              <a:rPr lang="en-US" altLang="zh-CN" sz="1200" dirty="0" smtClean="0"/>
+              <a:t>2.</a:t>
+            </a:r>
+            <a:r>
+              <a:rPr lang="zh-CN" altLang="en-US" sz="1200" dirty="0" smtClean="0"/>
+              <a:t>前期强势股</a:t>
+            </a:r>
+            <a:r>
+              <a:rPr lang="en-US" altLang="zh-CN" sz="1200" dirty="0" smtClean="0"/>
+              <a:t>-</a:t>
+            </a:r>
+            <a:r>
+              <a:rPr lang="zh-CN" altLang="en-US" sz="1200" dirty="0" smtClean="0"/>
+              <a:t>顺威股份</a:t>
+            </a:r>
+            <a:r>
+              <a:rPr lang="en-US" altLang="zh-CN" sz="1200" dirty="0" smtClean="0"/>
+              <a:t>(</a:t>
+            </a:r>
+            <a:r>
+              <a:rPr lang="zh-CN" altLang="en-US" sz="1200" dirty="0" smtClean="0"/>
+              <a:t>拿先手</a:t>
+            </a:r>
+            <a:r>
+              <a:rPr lang="en-US" altLang="zh-CN" sz="1200" dirty="0" smtClean="0"/>
+              <a:t>)</a:t>
+            </a:r>
+          </a:p>
+          <a:p>
+            <a:pPr algn="ctr"/>
+            <a:r>
+              <a:rPr lang="en-US" altLang="zh-CN" sz="1200" dirty="0" smtClean="0"/>
+              <a:t>3.</a:t>
+            </a:r>
+            <a:r>
+              <a:rPr lang="zh-CN" altLang="en-US" sz="1200" dirty="0" smtClean="0"/>
+              <a:t>潜伏当天主流题材</a:t>
+            </a:r>
+            <a:endParaRPr lang="en-US" altLang="zh-CN" sz="1200" dirty="0" smtClean="0"/>
+          </a:p>
+          <a:p>
+            <a:pPr algn="ctr"/>
+            <a:r>
+              <a:rPr lang="en-US" altLang="zh-CN" sz="1200" dirty="0" smtClean="0"/>
+              <a:t>4.</a:t>
+            </a:r>
+            <a:r>
+              <a:rPr lang="zh-CN" altLang="en-US" sz="1200" dirty="0" smtClean="0"/>
+              <a:t>流动性恢复</a:t>
+            </a:r>
+            <a:r>
+              <a:rPr lang="en-US" altLang="zh-CN" sz="1200" dirty="0" smtClean="0"/>
+              <a:t>-</a:t>
+            </a:r>
+            <a:r>
+              <a:rPr lang="zh-CN" altLang="en-US" sz="1200" dirty="0" smtClean="0"/>
+              <a:t>次新股</a:t>
+            </a:r>
+            <a:r>
+              <a:rPr lang="en-US" altLang="zh-CN" sz="1200" dirty="0" smtClean="0"/>
+              <a:t>-</a:t>
+            </a:r>
+            <a:r>
+              <a:rPr lang="zh-CN" altLang="en-US" sz="1200" dirty="0" smtClean="0"/>
+              <a:t>天箭股份</a:t>
+            </a:r>
+            <a:endParaRPr lang="zh-CN" altLang="en-US" sz="1200" dirty="0"/>
+          </a:p>
+        </p:txBody>
+      </p:sp>
+      <p:cxnSp>
+        <p:nvCxnSpPr>
+          <p:cNvPr id="25" name="肘形连接符 24"/>
+          <p:cNvCxnSpPr>
+            <a:stCxn id="22" idx="3"/>
+            <a:endCxn id="23" idx="1"/>
+          </p:cNvCxnSpPr>
+          <p:nvPr/>
+        </p:nvCxnSpPr>
+        <p:spPr>
+          <a:xfrm>
+            <a:off x="2643174" y="5143512"/>
+            <a:ext cx="2500330" cy="242886"/>
           </a:xfrm>
           <a:prstGeom prst="bentConnector3">
             <a:avLst>
@@ -6890,8 +7658,8 @@
         </p:nvSpPr>
         <p:spPr>
           <a:xfrm>
-            <a:off x="7000892" y="0"/>
-            <a:ext cx="2143108" cy="428604"/>
+            <a:off x="7215174" y="0"/>
+            <a:ext cx="1928826" cy="428604"/>
           </a:xfrm>
           <a:prstGeom prst="rect">
             <a:avLst/>
@@ -6918,7 +7686,7 @@
             <a:pPr algn="ctr"/>
             <a:r>
               <a:rPr lang="en-US" altLang="zh-CN" b="1" dirty="0" smtClean="0"/>
-              <a:t>2020.3.30</a:t>
+              <a:t>2020.4.1</a:t>
             </a:r>
             <a:r>
               <a:rPr lang="zh-CN" altLang="en-US" b="1" dirty="0" smtClean="0"/>
@@ -6930,7 +7698,7 @@
       </p:sp>
       <p:pic>
         <p:nvPicPr>
-          <p:cNvPr id="17412" name="Picture 4" descr="https://image.taoguba.com.cn/img/2020/03/30/fsa7emkotcfa.jpg_760w.png"/>
+          <p:cNvPr id="16386" name="Picture 2" descr="enjpcoxxbdfa.jpg_760w.png (249Ã1280)"/>
           <p:cNvPicPr>
             <a:picLocks noChangeAspect="1" noChangeArrowheads="1"/>
           </p:cNvPicPr>
@@ -6938,19 +7706,55 @@
         </p:nvPicPr>
         <p:blipFill>
           <a:blip r:embed="rId2"/>
-          <a:srcRect t="29244" r="1408"/>
+          <a:srcRect t="49805"/>
           <a:stretch>
             <a:fillRect/>
           </a:stretch>
         </p:blipFill>
         <p:spPr bwMode="auto">
           <a:xfrm>
-            <a:off x="142845" y="142852"/>
-            <a:ext cx="3571900" cy="6572272"/>
-          </a:xfrm>
-          <a:prstGeom prst="rect">
-            <a:avLst/>
-          </a:prstGeom>
+            <a:off x="71406" y="428604"/>
+            <a:ext cx="2371725" cy="6119770"/>
+          </a:xfrm>
+          <a:prstGeom prst="rect">
+            <a:avLst/>
+          </a:prstGeom>
+          <a:noFill/>
+          <a:ln>
+            <a:solidFill>
+              <a:schemeClr val="accent2"/>
+            </a:solidFill>
+          </a:ln>
+        </p:spPr>
+      </p:pic>
+      <p:pic>
+        <p:nvPicPr>
+          <p:cNvPr id="16388" name="Picture 4" descr="enjpcoxxbdfa.jpg_760w.png (249Ã1280)"/>
+          <p:cNvPicPr>
+            <a:picLocks noChangeAspect="1" noChangeArrowheads="1"/>
+          </p:cNvPicPr>
+          <p:nvPr/>
+        </p:nvPicPr>
+        <p:blipFill>
+          <a:blip r:embed="rId2"/>
+          <a:srcRect t="30469" r="602" b="41992"/>
+          <a:stretch>
+            <a:fillRect/>
+          </a:stretch>
+        </p:blipFill>
+        <p:spPr bwMode="auto">
+          <a:xfrm>
+            <a:off x="6286512" y="1714488"/>
+            <a:ext cx="2357454" cy="3357586"/>
+          </a:xfrm>
+          <a:prstGeom prst="rect">
+            <a:avLst/>
+          </a:prstGeom>
+          <a:ln>
+            <a:solidFill>
+              <a:schemeClr val="accent2"/>
+            </a:solidFill>
+          </a:ln>
         </p:spPr>
         <p:style>
           <a:lnRef idx="2">
@@ -6969,14 +7773,133 @@
       </p:pic>
       <p:sp>
         <p:nvSpPr>
+          <p:cNvPr id="7" name="矩形 6"/>
+          <p:cNvSpPr/>
+          <p:nvPr/>
+        </p:nvSpPr>
+        <p:spPr>
+          <a:xfrm>
+            <a:off x="6357950" y="2357430"/>
+            <a:ext cx="2214578" cy="892424"/>
+          </a:xfrm>
+          <a:prstGeom prst="rect">
+            <a:avLst/>
+          </a:prstGeom>
+          <a:noFill/>
+        </p:spPr>
+        <p:style>
+          <a:lnRef idx="2">
+            <a:schemeClr val="accent2"/>
+          </a:lnRef>
+          <a:fillRef idx="1">
+            <a:schemeClr val="lt1"/>
+          </a:fillRef>
+          <a:effectRef idx="0">
+            <a:schemeClr val="accent2"/>
+          </a:effectRef>
+          <a:fontRef idx="minor">
+            <a:schemeClr val="dk1"/>
+          </a:fontRef>
+        </p:style>
+        <p:txBody>
+          <a:bodyPr rtlCol="0" anchor="ctr"/>
+          <a:lstStyle/>
+          <a:p>
+            <a:pPr algn="ctr"/>
+            <a:endParaRPr lang="zh-CN" altLang="en-US"/>
+          </a:p>
+        </p:txBody>
+      </p:sp>
+      <p:sp>
+        <p:nvSpPr>
           <p:cNvPr id="8" name="矩形 7"/>
           <p:cNvSpPr/>
           <p:nvPr/>
         </p:nvSpPr>
         <p:spPr>
           <a:xfrm>
-            <a:off x="214282" y="1928802"/>
-            <a:ext cx="3357586" cy="3286148"/>
+            <a:off x="3786182" y="2446452"/>
+            <a:ext cx="1571636" cy="714380"/>
+          </a:xfrm>
+          <a:prstGeom prst="rect">
+            <a:avLst/>
+          </a:prstGeom>
+        </p:spPr>
+        <p:style>
+          <a:lnRef idx="3">
+            <a:schemeClr val="lt1"/>
+          </a:lnRef>
+          <a:fillRef idx="1">
+            <a:schemeClr val="accent6"/>
+          </a:fillRef>
+          <a:effectRef idx="1">
+            <a:schemeClr val="accent6"/>
+          </a:effectRef>
+          <a:fontRef idx="minor">
+            <a:schemeClr val="lt1"/>
+          </a:fontRef>
+        </p:style>
+        <p:txBody>
+          <a:bodyPr rtlCol="0" anchor="ctr"/>
+          <a:lstStyle/>
+          <a:p>
+            <a:pPr algn="ctr"/>
+            <a:r>
+              <a:rPr lang="zh-CN" altLang="en-US" sz="1200" dirty="0" smtClean="0"/>
+              <a:t>情绪票崩，推仓位避险票，但是仓位不能过大，防止不跌</a:t>
+            </a:r>
+            <a:endParaRPr lang="zh-CN" altLang="en-US" sz="1200" dirty="0"/>
+          </a:p>
+        </p:txBody>
+      </p:sp>
+      <p:cxnSp>
+        <p:nvCxnSpPr>
+          <p:cNvPr id="10" name="肘形连接符 9"/>
+          <p:cNvCxnSpPr>
+            <a:stCxn id="7" idx="1"/>
+            <a:endCxn id="8" idx="3"/>
+          </p:cNvCxnSpPr>
+          <p:nvPr/>
+        </p:nvCxnSpPr>
+        <p:spPr>
+          <a:xfrm rot="10800000">
+            <a:off x="5357818" y="2803642"/>
+            <a:ext cx="1000132" cy="1588"/>
+          </a:xfrm>
+          <a:prstGeom prst="bentConnector3">
+            <a:avLst>
+              <a:gd name="adj1" fmla="val 50000"/>
+            </a:avLst>
+          </a:prstGeom>
+          <a:ln>
+            <a:tailEnd type="arrow"/>
+          </a:ln>
+        </p:spPr>
+        <p:style>
+          <a:lnRef idx="1">
+            <a:schemeClr val="accent6"/>
+          </a:lnRef>
+          <a:fillRef idx="0">
+            <a:schemeClr val="accent6"/>
+          </a:fillRef>
+          <a:effectRef idx="0">
+            <a:schemeClr val="accent6"/>
+          </a:effectRef>
+          <a:fontRef idx="minor">
+            <a:schemeClr val="tx1"/>
+          </a:fontRef>
+        </p:style>
+      </p:cxnSp>
+      <p:sp>
+        <p:nvSpPr>
+          <p:cNvPr id="11" name="矩形 10"/>
+          <p:cNvSpPr/>
+          <p:nvPr/>
+        </p:nvSpPr>
+        <p:spPr>
+          <a:xfrm>
+            <a:off x="6357950" y="3429000"/>
+            <a:ext cx="2214578" cy="571504"/>
           </a:xfrm>
           <a:prstGeom prst="rect">
             <a:avLst/>
@@ -7008,14 +7931,14 @@
       </p:sp>
       <p:sp>
         <p:nvSpPr>
-          <p:cNvPr id="9" name="矩形 8"/>
+          <p:cNvPr id="12" name="矩形 11"/>
           <p:cNvSpPr/>
           <p:nvPr/>
         </p:nvSpPr>
         <p:spPr>
           <a:xfrm>
-            <a:off x="5643570" y="2786058"/>
-            <a:ext cx="2428892" cy="914400"/>
+            <a:off x="3786182" y="4429132"/>
+            <a:ext cx="1571636" cy="714380"/>
           </a:xfrm>
           <a:prstGeom prst="rect">
             <a:avLst/>
@@ -7042,7 +7965,7 @@
             <a:pPr algn="ctr"/>
             <a:r>
               <a:rPr lang="zh-CN" altLang="en-US" sz="1200" dirty="0" smtClean="0"/>
-              <a:t>分析当前市场资金的流向</a:t>
+              <a:t>午后避险板块继续加强，反倒可能成为情绪，推仓位</a:t>
             </a:r>
             <a:endParaRPr lang="zh-CN" altLang="en-US" sz="1200" dirty="0"/>
           </a:p>
@@ -7050,17 +7973,144 @@
       </p:sp>
       <p:cxnSp>
         <p:nvCxnSpPr>
-          <p:cNvPr id="11" name="肘形连接符 10"/>
+          <p:cNvPr id="14" name="肘形连接符 13"/>
           <p:cNvCxnSpPr>
-            <a:stCxn id="8" idx="3"/>
-            <a:endCxn id="9" idx="1"/>
+            <a:stCxn id="11" idx="1"/>
+            <a:endCxn id="12" idx="3"/>
           </p:cNvCxnSpPr>
           <p:nvPr/>
         </p:nvCxnSpPr>
         <p:spPr>
+          <a:xfrm rot="10800000" flipV="1">
+            <a:off x="5357818" y="3714752"/>
+            <a:ext cx="1000132" cy="1071570"/>
+          </a:xfrm>
+          <a:prstGeom prst="bentConnector3">
+            <a:avLst>
+              <a:gd name="adj1" fmla="val 50000"/>
+            </a:avLst>
+          </a:prstGeom>
+          <a:ln>
+            <a:tailEnd type="arrow"/>
+          </a:ln>
+        </p:spPr>
+        <p:style>
+          <a:lnRef idx="1">
+            <a:schemeClr val="accent6"/>
+          </a:lnRef>
+          <a:fillRef idx="0">
+            <a:schemeClr val="accent6"/>
+          </a:fillRef>
+          <a:effectRef idx="0">
+            <a:schemeClr val="accent6"/>
+          </a:effectRef>
+          <a:fontRef idx="minor">
+            <a:schemeClr val="tx1"/>
+          </a:fontRef>
+        </p:style>
+      </p:cxnSp>
+      <p:sp>
+        <p:nvSpPr>
+          <p:cNvPr id="15" name="矩形 14"/>
+          <p:cNvSpPr/>
+          <p:nvPr/>
+        </p:nvSpPr>
+        <p:spPr>
+          <a:xfrm>
+            <a:off x="142844" y="1785926"/>
+            <a:ext cx="2143140" cy="571504"/>
+          </a:xfrm>
+          <a:prstGeom prst="rect">
+            <a:avLst/>
+          </a:prstGeom>
+          <a:noFill/>
+        </p:spPr>
+        <p:style>
+          <a:lnRef idx="2">
+            <a:schemeClr val="accent2"/>
+          </a:lnRef>
+          <a:fillRef idx="1">
+            <a:schemeClr val="lt1"/>
+          </a:fillRef>
+          <a:effectRef idx="0">
+            <a:schemeClr val="accent2"/>
+          </a:effectRef>
+          <a:fontRef idx="minor">
+            <a:schemeClr val="dk1"/>
+          </a:fontRef>
+        </p:style>
+        <p:txBody>
+          <a:bodyPr rtlCol="0" anchor="ctr"/>
+          <a:lstStyle/>
+          <a:p>
+            <a:pPr algn="ctr"/>
+            <a:endParaRPr lang="zh-CN" altLang="en-US" dirty="0"/>
+          </a:p>
+        </p:txBody>
+      </p:sp>
+      <p:sp>
+        <p:nvSpPr>
+          <p:cNvPr id="16" name="矩形 15"/>
+          <p:cNvSpPr/>
+          <p:nvPr/>
+        </p:nvSpPr>
+        <p:spPr>
+          <a:xfrm>
+            <a:off x="3714744" y="1142984"/>
+            <a:ext cx="1500198" cy="557210"/>
+          </a:xfrm>
+          <a:prstGeom prst="rect">
+            <a:avLst/>
+          </a:prstGeom>
+        </p:spPr>
+        <p:style>
+          <a:lnRef idx="3">
+            <a:schemeClr val="lt1"/>
+          </a:lnRef>
+          <a:fillRef idx="1">
+            <a:schemeClr val="accent6"/>
+          </a:fillRef>
+          <a:effectRef idx="1">
+            <a:schemeClr val="accent6"/>
+          </a:effectRef>
+          <a:fontRef idx="minor">
+            <a:schemeClr val="lt1"/>
+          </a:fontRef>
+        </p:style>
+        <p:txBody>
+          <a:bodyPr rtlCol="0" anchor="ctr"/>
+          <a:lstStyle/>
+          <a:p>
+            <a:pPr algn="ctr"/>
+            <a:r>
+              <a:rPr lang="zh-CN" altLang="en-US" sz="1200" dirty="0" smtClean="0"/>
+              <a:t>这说明避险有可能成为</a:t>
+            </a:r>
+            <a:r>
+              <a:rPr lang="zh-CN" altLang="en-US" sz="1200" dirty="0"/>
+              <a:t>主</a:t>
+            </a:r>
+            <a:r>
+              <a:rPr lang="zh-CN" altLang="en-US" sz="1200" dirty="0" smtClean="0"/>
+              <a:t>升品种</a:t>
+            </a:r>
+            <a:endParaRPr lang="zh-CN" altLang="en-US" sz="1200" dirty="0"/>
+          </a:p>
+        </p:txBody>
+      </p:sp>
+      <p:cxnSp>
+        <p:nvCxnSpPr>
+          <p:cNvPr id="18" name="肘形连接符 17"/>
+          <p:cNvCxnSpPr>
+            <a:stCxn id="15" idx="3"/>
+            <a:endCxn id="16" idx="1"/>
+          </p:cNvCxnSpPr>
+          <p:nvPr/>
+        </p:nvCxnSpPr>
+        <p:spPr>
           <a:xfrm flipV="1">
-            <a:off x="3571868" y="3243258"/>
-            <a:ext cx="2071702" cy="328618"/>
+            <a:off x="2285984" y="1421589"/>
+            <a:ext cx="1428760" cy="650089"/>
           </a:xfrm>
           <a:prstGeom prst="bentConnector3">
             <a:avLst>
@@ -7111,9 +8161,55 @@
           <a:chExt cx="0" cy="0"/>
         </a:xfrm>
       </p:grpSpPr>
+      <p:sp>
+        <p:nvSpPr>
+          <p:cNvPr id="4" name="矩形 3"/>
+          <p:cNvSpPr/>
+          <p:nvPr/>
+        </p:nvSpPr>
+        <p:spPr>
+          <a:xfrm>
+            <a:off x="7000892" y="0"/>
+            <a:ext cx="2143108" cy="428604"/>
+          </a:xfrm>
+          <a:prstGeom prst="rect">
+            <a:avLst/>
+          </a:prstGeom>
+        </p:spPr>
+        <p:style>
+          <a:lnRef idx="3">
+            <a:schemeClr val="lt1"/>
+          </a:lnRef>
+          <a:fillRef idx="1">
+            <a:schemeClr val="accent6"/>
+          </a:fillRef>
+          <a:effectRef idx="1">
+            <a:schemeClr val="accent6"/>
+          </a:effectRef>
+          <a:fontRef idx="minor">
+            <a:schemeClr val="lt1"/>
+          </a:fontRef>
+        </p:style>
+        <p:txBody>
+          <a:bodyPr rtlCol="0" anchor="ctr"/>
+          <a:lstStyle/>
+          <a:p>
+            <a:pPr algn="ctr"/>
+            <a:r>
+              <a:rPr lang="en-US" altLang="zh-CN" b="1" dirty="0" smtClean="0"/>
+              <a:t>2020.3.30</a:t>
+            </a:r>
+            <a:r>
+              <a:rPr lang="zh-CN" altLang="en-US" b="1" dirty="0" smtClean="0"/>
+              <a:t>早盘汇总</a:t>
+            </a:r>
+            <a:endParaRPr lang="zh-CN" altLang="en-US" b="1" dirty="0"/>
+          </a:p>
+        </p:txBody>
+      </p:sp>
       <p:pic>
         <p:nvPicPr>
-          <p:cNvPr id="18434" name="Picture 2" descr="https://image.taoguba.com.cn/img/2020/03/27/0lk6r6lof9s9.jpg_760w.png"/>
+          <p:cNvPr id="17412" name="Picture 4" descr="https://image.taoguba.com.cn/img/2020/03/30/fsa7emkotcfa.jpg_760w.png"/>
           <p:cNvPicPr>
             <a:picLocks noChangeAspect="1" noChangeArrowheads="1"/>
           </p:cNvPicPr>
@@ -7121,83 +8217,19 @@
         </p:nvPicPr>
         <p:blipFill>
           <a:blip r:embed="rId2"/>
-          <a:srcRect t="26959" r="5998" b="2191"/>
+          <a:srcRect t="29244" r="1408"/>
           <a:stretch>
             <a:fillRect/>
           </a:stretch>
         </p:blipFill>
         <p:spPr bwMode="auto">
           <a:xfrm>
-            <a:off x="71406" y="142852"/>
-            <a:ext cx="4357718" cy="6572296"/>
-          </a:xfrm>
-          <a:prstGeom prst="rect">
-            <a:avLst/>
-          </a:prstGeom>
-          <a:noFill/>
-        </p:spPr>
-      </p:pic>
-      <p:sp>
-        <p:nvSpPr>
-          <p:cNvPr id="5" name="矩形 4"/>
-          <p:cNvSpPr/>
-          <p:nvPr/>
-        </p:nvSpPr>
-        <p:spPr>
-          <a:xfrm>
-            <a:off x="7000892" y="0"/>
-            <a:ext cx="2143108" cy="428604"/>
-          </a:xfrm>
-          <a:prstGeom prst="rect">
-            <a:avLst/>
-          </a:prstGeom>
-        </p:spPr>
-        <p:style>
-          <a:lnRef idx="3">
-            <a:schemeClr val="lt1"/>
-          </a:lnRef>
-          <a:fillRef idx="1">
-            <a:schemeClr val="accent6"/>
-          </a:fillRef>
-          <a:effectRef idx="1">
-            <a:schemeClr val="accent6"/>
-          </a:effectRef>
-          <a:fontRef idx="minor">
-            <a:schemeClr val="lt1"/>
-          </a:fontRef>
-        </p:style>
-        <p:txBody>
-          <a:bodyPr rtlCol="0" anchor="ctr"/>
-          <a:lstStyle/>
-          <a:p>
-            <a:pPr algn="ctr"/>
-            <a:r>
-              <a:rPr lang="en-US" altLang="zh-CN" b="1" dirty="0" smtClean="0"/>
-              <a:t>2020.3.27</a:t>
-            </a:r>
-            <a:r>
-              <a:rPr lang="zh-CN" altLang="en-US" b="1" dirty="0" smtClean="0"/>
-              <a:t>早盘汇总</a:t>
-            </a:r>
-            <a:endParaRPr lang="zh-CN" altLang="en-US" b="1" dirty="0"/>
-          </a:p>
-        </p:txBody>
-      </p:sp>
-      <p:sp>
-        <p:nvSpPr>
-          <p:cNvPr id="6" name="矩形 5"/>
-          <p:cNvSpPr/>
-          <p:nvPr/>
-        </p:nvSpPr>
-        <p:spPr>
-          <a:xfrm>
-            <a:off x="214282" y="1357298"/>
-            <a:ext cx="4143404" cy="928694"/>
-          </a:xfrm>
-          <a:prstGeom prst="rect">
-            <a:avLst/>
-          </a:prstGeom>
-          <a:noFill/>
+            <a:off x="142845" y="142852"/>
+            <a:ext cx="3571900" cy="6572272"/>
+          </a:xfrm>
+          <a:prstGeom prst="rect">
+            <a:avLst/>
+          </a:prstGeom>
         </p:spPr>
         <p:style>
           <a:lnRef idx="2">
@@ -7213,6 +8245,37 @@
             <a:schemeClr val="dk1"/>
           </a:fontRef>
         </p:style>
+      </p:pic>
+      <p:sp>
+        <p:nvSpPr>
+          <p:cNvPr id="8" name="矩形 7"/>
+          <p:cNvSpPr/>
+          <p:nvPr/>
+        </p:nvSpPr>
+        <p:spPr>
+          <a:xfrm>
+            <a:off x="214282" y="1928802"/>
+            <a:ext cx="3357586" cy="3286148"/>
+          </a:xfrm>
+          <a:prstGeom prst="rect">
+            <a:avLst/>
+          </a:prstGeom>
+          <a:noFill/>
+        </p:spPr>
+        <p:style>
+          <a:lnRef idx="2">
+            <a:schemeClr val="accent2"/>
+          </a:lnRef>
+          <a:fillRef idx="1">
+            <a:schemeClr val="lt1"/>
+          </a:fillRef>
+          <a:effectRef idx="0">
+            <a:schemeClr val="accent2"/>
+          </a:effectRef>
+          <a:fontRef idx="minor">
+            <a:schemeClr val="dk1"/>
+          </a:fontRef>
+        </p:style>
         <p:txBody>
           <a:bodyPr rtlCol="0" anchor="ctr"/>
           <a:lstStyle/>
@@ -7224,14 +8287,14 @@
       </p:sp>
       <p:sp>
         <p:nvSpPr>
-          <p:cNvPr id="7" name="矩形 6"/>
+          <p:cNvPr id="9" name="矩形 8"/>
           <p:cNvSpPr/>
           <p:nvPr/>
         </p:nvSpPr>
         <p:spPr>
           <a:xfrm>
-            <a:off x="5500694" y="1321786"/>
-            <a:ext cx="2214578" cy="749892"/>
+            <a:off x="5643570" y="2786058"/>
+            <a:ext cx="2428892" cy="914400"/>
           </a:xfrm>
           <a:prstGeom prst="rect">
             <a:avLst/>
@@ -7258,7 +8321,7 @@
             <a:pPr algn="ctr"/>
             <a:r>
               <a:rPr lang="zh-CN" altLang="en-US" sz="1200" dirty="0" smtClean="0"/>
-              <a:t>这里情绪不行，继续疯狂杀跌。但是，农业，呼吸机却超预期走强，潜伏，不好接力</a:t>
+              <a:t>分析当前市场资金的流向</a:t>
             </a:r>
             <a:endParaRPr lang="zh-CN" altLang="en-US" sz="1200" dirty="0"/>
           </a:p>
@@ -7266,295 +8329,17 @@
       </p:sp>
       <p:cxnSp>
         <p:nvCxnSpPr>
-          <p:cNvPr id="9" name="肘形连接符 8"/>
+          <p:cNvPr id="11" name="肘形连接符 10"/>
           <p:cNvCxnSpPr>
-            <a:stCxn id="6" idx="3"/>
-            <a:endCxn id="7" idx="1"/>
+            <a:stCxn id="8" idx="3"/>
+            <a:endCxn id="9" idx="1"/>
           </p:cNvCxnSpPr>
           <p:nvPr/>
         </p:nvCxnSpPr>
         <p:spPr>
           <a:xfrm flipV="1">
-            <a:off x="4357686" y="1696732"/>
-            <a:ext cx="1143008" cy="124913"/>
-          </a:xfrm>
-          <a:prstGeom prst="bentConnector3">
-            <a:avLst>
-              <a:gd name="adj1" fmla="val 50000"/>
-            </a:avLst>
-          </a:prstGeom>
-          <a:ln>
-            <a:tailEnd type="arrow"/>
-          </a:ln>
-        </p:spPr>
-        <p:style>
-          <a:lnRef idx="1">
-            <a:schemeClr val="accent6"/>
-          </a:lnRef>
-          <a:fillRef idx="0">
-            <a:schemeClr val="accent6"/>
-          </a:fillRef>
-          <a:effectRef idx="0">
-            <a:schemeClr val="accent6"/>
-          </a:effectRef>
-          <a:fontRef idx="minor">
-            <a:schemeClr val="tx1"/>
-          </a:fontRef>
-        </p:style>
-      </p:cxnSp>
-      <p:sp>
-        <p:nvSpPr>
-          <p:cNvPr id="10" name="矩形 9"/>
-          <p:cNvSpPr/>
-          <p:nvPr/>
-        </p:nvSpPr>
-        <p:spPr>
-          <a:xfrm>
-            <a:off x="214282" y="6286520"/>
-            <a:ext cx="2428892" cy="285752"/>
-          </a:xfrm>
-          <a:prstGeom prst="rect">
-            <a:avLst/>
-          </a:prstGeom>
-          <a:noFill/>
-        </p:spPr>
-        <p:style>
-          <a:lnRef idx="2">
-            <a:schemeClr val="accent2"/>
-          </a:lnRef>
-          <a:fillRef idx="1">
-            <a:schemeClr val="lt1"/>
-          </a:fillRef>
-          <a:effectRef idx="0">
-            <a:schemeClr val="accent2"/>
-          </a:effectRef>
-          <a:fontRef idx="minor">
-            <a:schemeClr val="dk1"/>
-          </a:fontRef>
-        </p:style>
-        <p:txBody>
-          <a:bodyPr rtlCol="0" anchor="ctr"/>
-          <a:lstStyle/>
-          <a:p>
-            <a:pPr algn="ctr"/>
-            <a:endParaRPr lang="zh-CN" altLang="en-US"/>
-          </a:p>
-        </p:txBody>
-      </p:sp>
-      <p:sp>
-        <p:nvSpPr>
-          <p:cNvPr id="12" name="矩形 11"/>
-          <p:cNvSpPr/>
-          <p:nvPr/>
-        </p:nvSpPr>
-        <p:spPr>
-          <a:xfrm>
-            <a:off x="5857884" y="5072074"/>
-            <a:ext cx="2214578" cy="571504"/>
-          </a:xfrm>
-          <a:prstGeom prst="rect">
-            <a:avLst/>
-          </a:prstGeom>
-        </p:spPr>
-        <p:style>
-          <a:lnRef idx="3">
-            <a:schemeClr val="lt1"/>
-          </a:lnRef>
-          <a:fillRef idx="1">
-            <a:schemeClr val="accent6"/>
-          </a:fillRef>
-          <a:effectRef idx="1">
-            <a:schemeClr val="accent6"/>
-          </a:effectRef>
-          <a:fontRef idx="minor">
-            <a:schemeClr val="lt1"/>
-          </a:fontRef>
-        </p:style>
-        <p:txBody>
-          <a:bodyPr rtlCol="0" anchor="ctr"/>
-          <a:lstStyle/>
-          <a:p>
-            <a:pPr algn="ctr"/>
-            <a:r>
-              <a:rPr lang="zh-CN" altLang="en-US" sz="1200" dirty="0" smtClean="0"/>
-              <a:t>这里走出了农业消费</a:t>
-            </a:r>
-            <a:r>
-              <a:rPr lang="en-US" altLang="zh-CN" sz="1200" dirty="0" smtClean="0"/>
-              <a:t>-</a:t>
-            </a:r>
-            <a:r>
-              <a:rPr lang="zh-CN" altLang="en-US" sz="1200" dirty="0" smtClean="0"/>
-              <a:t>金健米业</a:t>
-            </a:r>
-            <a:endParaRPr lang="en-US" altLang="zh-CN" sz="1200" dirty="0" smtClean="0"/>
-          </a:p>
-          <a:p>
-            <a:pPr algn="ctr"/>
-            <a:r>
-              <a:rPr lang="zh-CN" altLang="en-US" sz="1200" dirty="0" smtClean="0"/>
-              <a:t>呼吸机</a:t>
-            </a:r>
-            <a:r>
-              <a:rPr lang="en-US" altLang="zh-CN" sz="1200" dirty="0" smtClean="0"/>
-              <a:t>-</a:t>
-            </a:r>
-            <a:r>
-              <a:rPr lang="zh-CN" altLang="en-US" sz="1200" dirty="0" smtClean="0"/>
-              <a:t>航天长峰</a:t>
-            </a:r>
-            <a:endParaRPr lang="zh-CN" altLang="en-US" sz="1200" dirty="0"/>
-          </a:p>
-        </p:txBody>
-      </p:sp>
-      <p:cxnSp>
-        <p:nvCxnSpPr>
-          <p:cNvPr id="14" name="肘形连接符 13"/>
-          <p:cNvCxnSpPr>
-            <a:stCxn id="10" idx="3"/>
-            <a:endCxn id="12" idx="1"/>
-          </p:cNvCxnSpPr>
-          <p:nvPr/>
-        </p:nvCxnSpPr>
-        <p:spPr>
-          <a:xfrm flipV="1">
-            <a:off x="2643174" y="5357826"/>
-            <a:ext cx="3214710" cy="1071570"/>
-          </a:xfrm>
-          <a:prstGeom prst="bentConnector3">
-            <a:avLst>
-              <a:gd name="adj1" fmla="val 65189"/>
-            </a:avLst>
-          </a:prstGeom>
-          <a:ln>
-            <a:tailEnd type="arrow"/>
-          </a:ln>
-        </p:spPr>
-        <p:style>
-          <a:lnRef idx="1">
-            <a:schemeClr val="accent6"/>
-          </a:lnRef>
-          <a:fillRef idx="0">
-            <a:schemeClr val="accent6"/>
-          </a:fillRef>
-          <a:effectRef idx="0">
-            <a:schemeClr val="accent6"/>
-          </a:effectRef>
-          <a:fontRef idx="minor">
-            <a:schemeClr val="tx1"/>
-          </a:fontRef>
-        </p:style>
-      </p:cxnSp>
-      <p:sp>
-        <p:nvSpPr>
-          <p:cNvPr id="18" name="矩形 17"/>
-          <p:cNvSpPr/>
-          <p:nvPr/>
-        </p:nvSpPr>
-        <p:spPr>
-          <a:xfrm>
-            <a:off x="5786446" y="3214686"/>
-            <a:ext cx="2000264" cy="500066"/>
-          </a:xfrm>
-          <a:prstGeom prst="rect">
-            <a:avLst/>
-          </a:prstGeom>
-        </p:spPr>
-        <p:style>
-          <a:lnRef idx="3">
-            <a:schemeClr val="lt1"/>
-          </a:lnRef>
-          <a:fillRef idx="1">
-            <a:schemeClr val="accent6"/>
-          </a:fillRef>
-          <a:effectRef idx="1">
-            <a:schemeClr val="accent6"/>
-          </a:effectRef>
-          <a:fontRef idx="minor">
-            <a:schemeClr val="lt1"/>
-          </a:fontRef>
-        </p:style>
-        <p:txBody>
-          <a:bodyPr rtlCol="0" anchor="ctr"/>
-          <a:lstStyle/>
-          <a:p>
-            <a:pPr algn="ctr"/>
-            <a:r>
-              <a:rPr lang="zh-CN" altLang="en-US" sz="1200" dirty="0" smtClean="0"/>
-              <a:t>预判资金的流向</a:t>
-            </a:r>
-            <a:r>
-              <a:rPr lang="en-US" altLang="zh-CN" sz="1200" dirty="0" smtClean="0"/>
-              <a:t>-&gt;</a:t>
-            </a:r>
-            <a:r>
-              <a:rPr lang="zh-CN" altLang="en-US" sz="1200" dirty="0" smtClean="0"/>
-              <a:t>未拿先手的情况下</a:t>
-            </a:r>
-            <a:r>
-              <a:rPr lang="en-US" altLang="zh-CN" sz="1200" dirty="0" smtClean="0"/>
-              <a:t>-&gt;</a:t>
-            </a:r>
-            <a:r>
-              <a:rPr lang="zh-CN" altLang="en-US" sz="1200" dirty="0" smtClean="0"/>
-              <a:t>等待市场验证</a:t>
-            </a:r>
-            <a:endParaRPr lang="zh-CN" altLang="en-US" sz="1200" dirty="0"/>
-          </a:p>
-        </p:txBody>
-      </p:sp>
-      <p:sp>
-        <p:nvSpPr>
-          <p:cNvPr id="19" name="矩形 18"/>
-          <p:cNvSpPr/>
-          <p:nvPr/>
-        </p:nvSpPr>
-        <p:spPr>
-          <a:xfrm>
-            <a:off x="214282" y="2928934"/>
-            <a:ext cx="4143404" cy="3071834"/>
-          </a:xfrm>
-          <a:prstGeom prst="rect">
-            <a:avLst/>
-          </a:prstGeom>
-          <a:noFill/>
-        </p:spPr>
-        <p:style>
-          <a:lnRef idx="2">
-            <a:schemeClr val="accent2"/>
-          </a:lnRef>
-          <a:fillRef idx="1">
-            <a:schemeClr val="lt1"/>
-          </a:fillRef>
-          <a:effectRef idx="0">
-            <a:schemeClr val="accent2"/>
-          </a:effectRef>
-          <a:fontRef idx="minor">
-            <a:schemeClr val="dk1"/>
-          </a:fontRef>
-        </p:style>
-        <p:txBody>
-          <a:bodyPr rtlCol="0" anchor="ctr"/>
-          <a:lstStyle/>
-          <a:p>
-            <a:pPr algn="ctr"/>
-            <a:endParaRPr lang="zh-CN" altLang="en-US"/>
-          </a:p>
-        </p:txBody>
-      </p:sp>
-      <p:cxnSp>
-        <p:nvCxnSpPr>
-          <p:cNvPr id="21" name="肘形连接符 20"/>
-          <p:cNvCxnSpPr>
-            <a:stCxn id="19" idx="3"/>
-            <a:endCxn id="18" idx="1"/>
-          </p:cNvCxnSpPr>
-          <p:nvPr/>
-        </p:nvCxnSpPr>
-        <p:spPr>
-          <a:xfrm flipV="1">
-            <a:off x="4357686" y="3464719"/>
-            <a:ext cx="1428760" cy="1000132"/>
+            <a:off x="3571868" y="3243258"/>
+            <a:ext cx="2071702" cy="328618"/>
           </a:xfrm>
           <a:prstGeom prst="bentConnector3">
             <a:avLst>
@@ -7605,51 +8390,9 @@
           <a:chExt cx="0" cy="0"/>
         </a:xfrm>
       </p:grpSpPr>
-      <p:sp>
-        <p:nvSpPr>
-          <p:cNvPr id="4" name="矩形 3"/>
-          <p:cNvSpPr/>
-          <p:nvPr/>
-        </p:nvSpPr>
-        <p:spPr>
-          <a:xfrm>
-            <a:off x="7000892" y="0"/>
-            <a:ext cx="2143108" cy="428604"/>
-          </a:xfrm>
-          <a:prstGeom prst="rect">
-            <a:avLst/>
-          </a:prstGeom>
-        </p:spPr>
-        <p:style>
-          <a:lnRef idx="3">
-            <a:schemeClr val="lt1"/>
-          </a:lnRef>
-          <a:fillRef idx="1">
-            <a:schemeClr val="accent6"/>
-          </a:fillRef>
-          <a:effectRef idx="1">
-            <a:schemeClr val="accent6"/>
-          </a:effectRef>
-          <a:fontRef idx="minor">
-            <a:schemeClr val="lt1"/>
-          </a:fontRef>
-        </p:style>
-        <p:txBody>
-          <a:bodyPr rtlCol="0" anchor="ctr"/>
-          <a:lstStyle/>
-          <a:p>
-            <a:pPr algn="ctr"/>
-            <a:r>
-              <a:rPr lang="zh-CN" altLang="en-US" b="1" dirty="0" smtClean="0"/>
-              <a:t>补跌周期</a:t>
-            </a:r>
-            <a:endParaRPr lang="zh-CN" altLang="en-US" b="1" dirty="0"/>
-          </a:p>
-        </p:txBody>
-      </p:sp>
       <p:pic>
         <p:nvPicPr>
-          <p:cNvPr id="1026" name="Picture 2" descr="C:\Users\pc\AppData\Local\Temp\WeChat Files\09b7cadbdf22db592c17956ad5735c9.jpg"/>
+          <p:cNvPr id="18434" name="Picture 2" descr="https://image.taoguba.com.cn/img/2020/03/27/0lk6r6lof9s9.jpg_760w.png"/>
           <p:cNvPicPr>
             <a:picLocks noChangeAspect="1" noChangeArrowheads="1"/>
           </p:cNvPicPr>
@@ -7657,27 +8400,68 @@
         </p:nvPicPr>
         <p:blipFill>
           <a:blip r:embed="rId2"/>
-          <a:srcRect/>
+          <a:srcRect t="26959" r="5998" b="2191"/>
           <a:stretch>
             <a:fillRect/>
           </a:stretch>
         </p:blipFill>
         <p:spPr bwMode="auto">
           <a:xfrm>
-            <a:off x="0" y="0"/>
-            <a:ext cx="3168763" cy="6858000"/>
+            <a:off x="71406" y="142852"/>
+            <a:ext cx="4357718" cy="6572296"/>
           </a:xfrm>
           <a:prstGeom prst="rect">
             <a:avLst/>
           </a:prstGeom>
           <a:noFill/>
-          <a:ln>
-            <a:solidFill>
-              <a:schemeClr val="accent2"/>
-            </a:solidFill>
-          </a:ln>
         </p:spPr>
       </p:pic>
+      <p:sp>
+        <p:nvSpPr>
+          <p:cNvPr id="5" name="矩形 4"/>
+          <p:cNvSpPr/>
+          <p:nvPr/>
+        </p:nvSpPr>
+        <p:spPr>
+          <a:xfrm>
+            <a:off x="7000892" y="0"/>
+            <a:ext cx="2143108" cy="428604"/>
+          </a:xfrm>
+          <a:prstGeom prst="rect">
+            <a:avLst/>
+          </a:prstGeom>
+        </p:spPr>
+        <p:style>
+          <a:lnRef idx="3">
+            <a:schemeClr val="lt1"/>
+          </a:lnRef>
+          <a:fillRef idx="1">
+            <a:schemeClr val="accent6"/>
+          </a:fillRef>
+          <a:effectRef idx="1">
+            <a:schemeClr val="accent6"/>
+          </a:effectRef>
+          <a:fontRef idx="minor">
+            <a:schemeClr val="lt1"/>
+          </a:fontRef>
+        </p:style>
+        <p:txBody>
+          <a:bodyPr rtlCol="0" anchor="ctr"/>
+          <a:lstStyle/>
+          <a:p>
+            <a:pPr algn="ctr"/>
+            <a:r>
+              <a:rPr lang="en-US" altLang="zh-CN" b="1" dirty="0" smtClean="0"/>
+              <a:t>2020.3.27</a:t>
+            </a:r>
+            <a:r>
+              <a:rPr lang="zh-CN" altLang="en-US" b="1" dirty="0" smtClean="0"/>
+              <a:t>早盘汇总</a:t>
+            </a:r>
+            <a:endParaRPr lang="zh-CN" altLang="en-US" b="1" dirty="0"/>
+          </a:p>
+        </p:txBody>
+      </p:sp>
       <p:sp>
         <p:nvSpPr>
           <p:cNvPr id="6" name="矩形 5"/>
@@ -7686,8 +8470,8 @@
         </p:nvSpPr>
         <p:spPr>
           <a:xfrm>
-            <a:off x="357158" y="1142984"/>
-            <a:ext cx="2714644" cy="1143008"/>
+            <a:off x="214282" y="1357298"/>
+            <a:ext cx="4143404" cy="928694"/>
           </a:xfrm>
           <a:prstGeom prst="rect">
             <a:avLst/>
@@ -7725,8 +8509,8 @@
         </p:nvSpPr>
         <p:spPr>
           <a:xfrm>
-            <a:off x="4643438" y="1178496"/>
-            <a:ext cx="2071702" cy="1071570"/>
+            <a:off x="5500694" y="1321786"/>
+            <a:ext cx="2214578" cy="749892"/>
           </a:xfrm>
           <a:prstGeom prst="rect">
             <a:avLst/>
@@ -7753,55 +8537,9 @@
             <a:pPr algn="ctr"/>
             <a:r>
               <a:rPr lang="zh-CN" altLang="en-US" sz="1200" dirty="0" smtClean="0"/>
-              <a:t>补跌周期</a:t>
-            </a:r>
-            <a:endParaRPr lang="en-US" altLang="zh-CN" sz="1200" dirty="0" smtClean="0"/>
-          </a:p>
-          <a:p>
-            <a:r>
-              <a:rPr lang="en-US" altLang="zh-CN" sz="1200" dirty="0" smtClean="0"/>
-              <a:t>1.</a:t>
-            </a:r>
-            <a:r>
-              <a:rPr lang="zh-CN" altLang="en-US" sz="1200" dirty="0" smtClean="0"/>
-              <a:t>情绪票不碰，除非与指数共振大阳</a:t>
-            </a:r>
-            <a:endParaRPr lang="en-US" altLang="zh-CN" sz="1200" dirty="0" smtClean="0"/>
-          </a:p>
-          <a:p>
-            <a:r>
-              <a:rPr lang="en-US" altLang="zh-CN" sz="1200" dirty="0" smtClean="0"/>
-              <a:t>2.</a:t>
-            </a:r>
-            <a:r>
-              <a:rPr lang="zh-CN" altLang="en-US" sz="1200" dirty="0" smtClean="0"/>
-              <a:t>寻找抱团</a:t>
-            </a:r>
-            <a:r>
-              <a:rPr lang="en-US" altLang="zh-CN" sz="1200" dirty="0" smtClean="0"/>
-              <a:t>/</a:t>
-            </a:r>
-            <a:r>
-              <a:rPr lang="zh-CN" altLang="en-US" sz="1200" dirty="0" smtClean="0"/>
-              <a:t>避险</a:t>
-            </a:r>
-            <a:r>
-              <a:rPr lang="en-US" altLang="zh-CN" sz="1200" dirty="0" smtClean="0"/>
-              <a:t>/</a:t>
-            </a:r>
-            <a:r>
-              <a:rPr lang="zh-CN" altLang="en-US" sz="1200" dirty="0" smtClean="0"/>
-              <a:t>新题材</a:t>
-            </a:r>
-            <a:r>
-              <a:rPr lang="en-US" altLang="zh-CN" sz="1200" dirty="0" smtClean="0"/>
-              <a:t>/</a:t>
-            </a:r>
-            <a:r>
-              <a:rPr lang="zh-CN" altLang="en-US" sz="1200" dirty="0" smtClean="0"/>
-              <a:t>低位板块效应</a:t>
-            </a:r>
-            <a:endParaRPr lang="en-US" altLang="zh-CN" sz="1200" dirty="0" smtClean="0"/>
+              <a:t>这里情绪不行，继续疯狂杀跌。但是，农业，呼吸机却超预期走强，潜伏，不好接力</a:t>
+            </a:r>
+            <a:endParaRPr lang="zh-CN" altLang="en-US" sz="1200" dirty="0"/>
           </a:p>
         </p:txBody>
       </p:sp>
@@ -7816,8 +8554,286 @@
         </p:nvCxnSpPr>
         <p:spPr>
           <a:xfrm flipV="1">
-            <a:off x="3071802" y="1714281"/>
-            <a:ext cx="1571636" cy="207"/>
+            <a:off x="4357686" y="1696732"/>
+            <a:ext cx="1143008" cy="124913"/>
+          </a:xfrm>
+          <a:prstGeom prst="bentConnector3">
+            <a:avLst>
+              <a:gd name="adj1" fmla="val 50000"/>
+            </a:avLst>
+          </a:prstGeom>
+          <a:ln>
+            <a:tailEnd type="arrow"/>
+          </a:ln>
+        </p:spPr>
+        <p:style>
+          <a:lnRef idx="1">
+            <a:schemeClr val="accent6"/>
+          </a:lnRef>
+          <a:fillRef idx="0">
+            <a:schemeClr val="accent6"/>
+          </a:fillRef>
+          <a:effectRef idx="0">
+            <a:schemeClr val="accent6"/>
+          </a:effectRef>
+          <a:fontRef idx="minor">
+            <a:schemeClr val="tx1"/>
+          </a:fontRef>
+        </p:style>
+      </p:cxnSp>
+      <p:sp>
+        <p:nvSpPr>
+          <p:cNvPr id="10" name="矩形 9"/>
+          <p:cNvSpPr/>
+          <p:nvPr/>
+        </p:nvSpPr>
+        <p:spPr>
+          <a:xfrm>
+            <a:off x="214282" y="6286520"/>
+            <a:ext cx="2428892" cy="285752"/>
+          </a:xfrm>
+          <a:prstGeom prst="rect">
+            <a:avLst/>
+          </a:prstGeom>
+          <a:noFill/>
+        </p:spPr>
+        <p:style>
+          <a:lnRef idx="2">
+            <a:schemeClr val="accent2"/>
+          </a:lnRef>
+          <a:fillRef idx="1">
+            <a:schemeClr val="lt1"/>
+          </a:fillRef>
+          <a:effectRef idx="0">
+            <a:schemeClr val="accent2"/>
+          </a:effectRef>
+          <a:fontRef idx="minor">
+            <a:schemeClr val="dk1"/>
+          </a:fontRef>
+        </p:style>
+        <p:txBody>
+          <a:bodyPr rtlCol="0" anchor="ctr"/>
+          <a:lstStyle/>
+          <a:p>
+            <a:pPr algn="ctr"/>
+            <a:endParaRPr lang="zh-CN" altLang="en-US"/>
+          </a:p>
+        </p:txBody>
+      </p:sp>
+      <p:sp>
+        <p:nvSpPr>
+          <p:cNvPr id="12" name="矩形 11"/>
+          <p:cNvSpPr/>
+          <p:nvPr/>
+        </p:nvSpPr>
+        <p:spPr>
+          <a:xfrm>
+            <a:off x="5857884" y="5072074"/>
+            <a:ext cx="2214578" cy="571504"/>
+          </a:xfrm>
+          <a:prstGeom prst="rect">
+            <a:avLst/>
+          </a:prstGeom>
+        </p:spPr>
+        <p:style>
+          <a:lnRef idx="3">
+            <a:schemeClr val="lt1"/>
+          </a:lnRef>
+          <a:fillRef idx="1">
+            <a:schemeClr val="accent6"/>
+          </a:fillRef>
+          <a:effectRef idx="1">
+            <a:schemeClr val="accent6"/>
+          </a:effectRef>
+          <a:fontRef idx="minor">
+            <a:schemeClr val="lt1"/>
+          </a:fontRef>
+        </p:style>
+        <p:txBody>
+          <a:bodyPr rtlCol="0" anchor="ctr"/>
+          <a:lstStyle/>
+          <a:p>
+            <a:pPr algn="ctr"/>
+            <a:r>
+              <a:rPr lang="zh-CN" altLang="en-US" sz="1200" dirty="0" smtClean="0"/>
+              <a:t>这里走出了农业消费</a:t>
+            </a:r>
+            <a:r>
+              <a:rPr lang="en-US" altLang="zh-CN" sz="1200" dirty="0" smtClean="0"/>
+              <a:t>-</a:t>
+            </a:r>
+            <a:r>
+              <a:rPr lang="zh-CN" altLang="en-US" sz="1200" dirty="0" smtClean="0"/>
+              <a:t>金健米业</a:t>
+            </a:r>
+            <a:endParaRPr lang="en-US" altLang="zh-CN" sz="1200" dirty="0" smtClean="0"/>
+          </a:p>
+          <a:p>
+            <a:pPr algn="ctr"/>
+            <a:r>
+              <a:rPr lang="zh-CN" altLang="en-US" sz="1200" dirty="0" smtClean="0"/>
+              <a:t>呼吸机</a:t>
+            </a:r>
+            <a:r>
+              <a:rPr lang="en-US" altLang="zh-CN" sz="1200" dirty="0" smtClean="0"/>
+              <a:t>-</a:t>
+            </a:r>
+            <a:r>
+              <a:rPr lang="zh-CN" altLang="en-US" sz="1200" dirty="0" smtClean="0"/>
+              <a:t>航天长峰</a:t>
+            </a:r>
+            <a:endParaRPr lang="zh-CN" altLang="en-US" sz="1200" dirty="0"/>
+          </a:p>
+        </p:txBody>
+      </p:sp>
+      <p:cxnSp>
+        <p:nvCxnSpPr>
+          <p:cNvPr id="14" name="肘形连接符 13"/>
+          <p:cNvCxnSpPr>
+            <a:stCxn id="10" idx="3"/>
+            <a:endCxn id="12" idx="1"/>
+          </p:cNvCxnSpPr>
+          <p:nvPr/>
+        </p:nvCxnSpPr>
+        <p:spPr>
+          <a:xfrm flipV="1">
+            <a:off x="2643174" y="5357826"/>
+            <a:ext cx="3214710" cy="1071570"/>
+          </a:xfrm>
+          <a:prstGeom prst="bentConnector3">
+            <a:avLst>
+              <a:gd name="adj1" fmla="val 65189"/>
+            </a:avLst>
+          </a:prstGeom>
+          <a:ln>
+            <a:tailEnd type="arrow"/>
+          </a:ln>
+        </p:spPr>
+        <p:style>
+          <a:lnRef idx="1">
+            <a:schemeClr val="accent6"/>
+          </a:lnRef>
+          <a:fillRef idx="0">
+            <a:schemeClr val="accent6"/>
+          </a:fillRef>
+          <a:effectRef idx="0">
+            <a:schemeClr val="accent6"/>
+          </a:effectRef>
+          <a:fontRef idx="minor">
+            <a:schemeClr val="tx1"/>
+          </a:fontRef>
+        </p:style>
+      </p:cxnSp>
+      <p:sp>
+        <p:nvSpPr>
+          <p:cNvPr id="18" name="矩形 17"/>
+          <p:cNvSpPr/>
+          <p:nvPr/>
+        </p:nvSpPr>
+        <p:spPr>
+          <a:xfrm>
+            <a:off x="5786446" y="3214686"/>
+            <a:ext cx="2000264" cy="500066"/>
+          </a:xfrm>
+          <a:prstGeom prst="rect">
+            <a:avLst/>
+          </a:prstGeom>
+        </p:spPr>
+        <p:style>
+          <a:lnRef idx="3">
+            <a:schemeClr val="lt1"/>
+          </a:lnRef>
+          <a:fillRef idx="1">
+            <a:schemeClr val="accent6"/>
+          </a:fillRef>
+          <a:effectRef idx="1">
+            <a:schemeClr val="accent6"/>
+          </a:effectRef>
+          <a:fontRef idx="minor">
+            <a:schemeClr val="lt1"/>
+          </a:fontRef>
+        </p:style>
+        <p:txBody>
+          <a:bodyPr rtlCol="0" anchor="ctr"/>
+          <a:lstStyle/>
+          <a:p>
+            <a:pPr algn="ctr"/>
+            <a:r>
+              <a:rPr lang="zh-CN" altLang="en-US" sz="1200" dirty="0" smtClean="0"/>
+              <a:t>预判资金的流向</a:t>
+            </a:r>
+            <a:r>
+              <a:rPr lang="en-US" altLang="zh-CN" sz="1200" dirty="0" smtClean="0"/>
+              <a:t>-&gt;</a:t>
+            </a:r>
+            <a:r>
+              <a:rPr lang="zh-CN" altLang="en-US" sz="1200" dirty="0" smtClean="0"/>
+              <a:t>未拿先手的情况下</a:t>
+            </a:r>
+            <a:r>
+              <a:rPr lang="en-US" altLang="zh-CN" sz="1200" dirty="0" smtClean="0"/>
+              <a:t>-&gt;</a:t>
+            </a:r>
+            <a:r>
+              <a:rPr lang="zh-CN" altLang="en-US" sz="1200" dirty="0" smtClean="0"/>
+              <a:t>等待市场验证</a:t>
+            </a:r>
+            <a:endParaRPr lang="zh-CN" altLang="en-US" sz="1200" dirty="0"/>
+          </a:p>
+        </p:txBody>
+      </p:sp>
+      <p:sp>
+        <p:nvSpPr>
+          <p:cNvPr id="19" name="矩形 18"/>
+          <p:cNvSpPr/>
+          <p:nvPr/>
+        </p:nvSpPr>
+        <p:spPr>
+          <a:xfrm>
+            <a:off x="214282" y="2928934"/>
+            <a:ext cx="4143404" cy="3071834"/>
+          </a:xfrm>
+          <a:prstGeom prst="rect">
+            <a:avLst/>
+          </a:prstGeom>
+          <a:noFill/>
+        </p:spPr>
+        <p:style>
+          <a:lnRef idx="2">
+            <a:schemeClr val="accent2"/>
+          </a:lnRef>
+          <a:fillRef idx="1">
+            <a:schemeClr val="lt1"/>
+          </a:fillRef>
+          <a:effectRef idx="0">
+            <a:schemeClr val="accent2"/>
+          </a:effectRef>
+          <a:fontRef idx="minor">
+            <a:schemeClr val="dk1"/>
+          </a:fontRef>
+        </p:style>
+        <p:txBody>
+          <a:bodyPr rtlCol="0" anchor="ctr"/>
+          <a:lstStyle/>
+          <a:p>
+            <a:pPr algn="ctr"/>
+            <a:endParaRPr lang="zh-CN" altLang="en-US"/>
+          </a:p>
+        </p:txBody>
+      </p:sp>
+      <p:cxnSp>
+        <p:nvCxnSpPr>
+          <p:cNvPr id="21" name="肘形连接符 20"/>
+          <p:cNvCxnSpPr>
+            <a:stCxn id="19" idx="3"/>
+            <a:endCxn id="18" idx="1"/>
+          </p:cNvCxnSpPr>
+          <p:nvPr/>
+        </p:nvCxnSpPr>
+        <p:spPr>
+          <a:xfrm flipV="1">
+            <a:off x="4357686" y="3464719"/>
+            <a:ext cx="1428760" cy="1000132"/>
           </a:xfrm>
           <a:prstGeom prst="bentConnector3">
             <a:avLst>
@@ -7868,9 +8884,51 @@
           <a:chExt cx="0" cy="0"/>
         </a:xfrm>
       </p:grpSpPr>
+      <p:sp>
+        <p:nvSpPr>
+          <p:cNvPr id="4" name="矩形 3"/>
+          <p:cNvSpPr/>
+          <p:nvPr/>
+        </p:nvSpPr>
+        <p:spPr>
+          <a:xfrm>
+            <a:off x="7000892" y="0"/>
+            <a:ext cx="2143108" cy="428604"/>
+          </a:xfrm>
+          <a:prstGeom prst="rect">
+            <a:avLst/>
+          </a:prstGeom>
+        </p:spPr>
+        <p:style>
+          <a:lnRef idx="3">
+            <a:schemeClr val="lt1"/>
+          </a:lnRef>
+          <a:fillRef idx="1">
+            <a:schemeClr val="accent6"/>
+          </a:fillRef>
+          <a:effectRef idx="1">
+            <a:schemeClr val="accent6"/>
+          </a:effectRef>
+          <a:fontRef idx="minor">
+            <a:schemeClr val="lt1"/>
+          </a:fontRef>
+        </p:style>
+        <p:txBody>
+          <a:bodyPr rtlCol="0" anchor="ctr"/>
+          <a:lstStyle/>
+          <a:p>
+            <a:pPr algn="ctr"/>
+            <a:r>
+              <a:rPr lang="zh-CN" altLang="en-US" b="1" dirty="0" smtClean="0"/>
+              <a:t>补跌周期</a:t>
+            </a:r>
+            <a:endParaRPr lang="zh-CN" altLang="en-US" b="1" dirty="0"/>
+          </a:p>
+        </p:txBody>
+      </p:sp>
       <p:pic>
         <p:nvPicPr>
-          <p:cNvPr id="2050" name="Picture 2" descr="C:\Users\pc\AppData\Local\Temp\WeChat Files\c68468ae7e75b4285aab51e86382051.jpg"/>
+          <p:cNvPr id="1026" name="Picture 2" descr="C:\Users\pc\AppData\Local\Temp\WeChat Files\09b7cadbdf22db592c17956ad5735c9.jpg"/>
           <p:cNvPicPr>
             <a:picLocks noChangeAspect="1" noChangeArrowheads="1"/>
           </p:cNvPicPr>
@@ -7878,64 +8936,27 @@
         </p:nvPicPr>
         <p:blipFill>
           <a:blip r:embed="rId2"/>
-          <a:srcRect t="35417" b="1041"/>
+          <a:srcRect/>
           <a:stretch>
             <a:fillRect/>
           </a:stretch>
         </p:blipFill>
         <p:spPr bwMode="auto">
           <a:xfrm>
-            <a:off x="0" y="17732"/>
-            <a:ext cx="2143108" cy="6835583"/>
+            <a:off x="0" y="0"/>
+            <a:ext cx="3168763" cy="6858000"/>
           </a:xfrm>
           <a:prstGeom prst="rect">
             <a:avLst/>
           </a:prstGeom>
           <a:noFill/>
+          <a:ln>
+            <a:solidFill>
+              <a:schemeClr val="accent2"/>
+            </a:solidFill>
+          </a:ln>
         </p:spPr>
       </p:pic>
-      <p:sp>
-        <p:nvSpPr>
-          <p:cNvPr id="5" name="矩形 4"/>
-          <p:cNvSpPr/>
-          <p:nvPr/>
-        </p:nvSpPr>
-        <p:spPr>
-          <a:xfrm>
-            <a:off x="6715140" y="0"/>
-            <a:ext cx="2428860" cy="428604"/>
-          </a:xfrm>
-          <a:prstGeom prst="rect">
-            <a:avLst/>
-          </a:prstGeom>
-        </p:spPr>
-        <p:style>
-          <a:lnRef idx="3">
-            <a:schemeClr val="lt1"/>
-          </a:lnRef>
-          <a:fillRef idx="1">
-            <a:schemeClr val="accent6"/>
-          </a:fillRef>
-          <a:effectRef idx="1">
-            <a:schemeClr val="accent6"/>
-          </a:effectRef>
-          <a:fontRef idx="minor">
-            <a:schemeClr val="lt1"/>
-          </a:fontRef>
-        </p:style>
-        <p:txBody>
-          <a:bodyPr rtlCol="0" anchor="ctr"/>
-          <a:lstStyle/>
-          <a:p>
-            <a:pPr algn="ctr"/>
-            <a:r>
-              <a:rPr lang="zh-CN" altLang="en-US" b="1" dirty="0" smtClean="0"/>
-              <a:t>强的加速，弱的反包</a:t>
-            </a:r>
-            <a:endParaRPr lang="zh-CN" altLang="en-US" b="1" dirty="0"/>
-          </a:p>
-        </p:txBody>
-      </p:sp>
       <p:sp>
         <p:nvSpPr>
           <p:cNvPr id="6" name="矩形 5"/>
@@ -7944,8 +8965,8 @@
         </p:nvSpPr>
         <p:spPr>
           <a:xfrm>
-            <a:off x="71406" y="4143380"/>
-            <a:ext cx="2000264" cy="714380"/>
+            <a:off x="357158" y="1142984"/>
+            <a:ext cx="2714644" cy="1143008"/>
           </a:xfrm>
           <a:prstGeom prst="rect">
             <a:avLst/>
@@ -7954,18 +8975,16 @@
         </p:spPr>
         <p:style>
           <a:lnRef idx="2">
-            <a:schemeClr val="accent1">
-              <a:shade val="50000"/>
-            </a:schemeClr>
+            <a:schemeClr val="accent2"/>
           </a:lnRef>
           <a:fillRef idx="1">
-            <a:schemeClr val="accent1"/>
+            <a:schemeClr val="lt1"/>
           </a:fillRef>
           <a:effectRef idx="0">
-            <a:schemeClr val="accent1"/>
-          </a:effectRef>
-          <a:fontRef idx="minor">
-            <a:schemeClr val="lt1"/>
+            <a:schemeClr val="accent2"/>
+          </a:effectRef>
+          <a:fontRef idx="minor">
+            <a:schemeClr val="dk1"/>
           </a:fontRef>
         </p:style>
         <p:txBody>
@@ -7979,14 +8998,14 @@
       </p:sp>
       <p:sp>
         <p:nvSpPr>
-          <p:cNvPr id="8" name="矩形 7"/>
+          <p:cNvPr id="7" name="矩形 6"/>
           <p:cNvSpPr/>
           <p:nvPr/>
         </p:nvSpPr>
         <p:spPr>
           <a:xfrm>
-            <a:off x="3929058" y="5080952"/>
-            <a:ext cx="2643206" cy="785818"/>
+            <a:off x="4643438" y="1178496"/>
+            <a:ext cx="2071702" cy="1071570"/>
           </a:xfrm>
           <a:prstGeom prst="rect">
             <a:avLst/>
@@ -8010,209 +9029,56 @@
           <a:bodyPr rtlCol="0" anchor="ctr"/>
           <a:lstStyle/>
           <a:p>
+            <a:pPr algn="ctr"/>
             <a:r>
               <a:rPr lang="zh-CN" altLang="en-US" sz="1200" dirty="0" smtClean="0"/>
-              <a:t>情绪弱</a:t>
-            </a:r>
+              <a:t>补跌周期</a:t>
+            </a:r>
+            <a:endParaRPr lang="en-US" altLang="zh-CN" sz="1200" dirty="0" smtClean="0"/>
+          </a:p>
+          <a:p>
             <a:r>
               <a:rPr lang="en-US" altLang="zh-CN" sz="1200" dirty="0" smtClean="0"/>
-              <a:t>(</a:t>
+              <a:t>1.</a:t>
             </a:r>
             <a:r>
               <a:rPr lang="zh-CN" altLang="en-US" sz="1200" dirty="0" smtClean="0"/>
-              <a:t>盘面观察</a:t>
-            </a:r>
+              <a:t>情绪票不碰，除非与指数共振大阳</a:t>
+            </a:r>
+            <a:endParaRPr lang="en-US" altLang="zh-CN" sz="1200" dirty="0" smtClean="0"/>
+          </a:p>
+          <a:p>
             <a:r>
               <a:rPr lang="en-US" altLang="zh-CN" sz="1200" dirty="0" smtClean="0"/>
-              <a:t>)</a:t>
-            </a:r>
-          </a:p>
-          <a:p>
+              <a:t>2.</a:t>
+            </a:r>
             <a:r>
               <a:rPr lang="zh-CN" altLang="en-US" sz="1200" dirty="0" smtClean="0"/>
-              <a:t>弱的加速杀跌 强的补跌 指数恐慌杀跌 指数低点共振 看清谁最强</a:t>
-            </a:r>
-            <a:endParaRPr lang="en-US" altLang="zh-CN" sz="1200" dirty="0" smtClean="0"/>
-          </a:p>
-        </p:txBody>
-      </p:sp>
-      <p:sp>
-        <p:nvSpPr>
-          <p:cNvPr id="9" name="矩形 8"/>
-          <p:cNvSpPr/>
-          <p:nvPr/>
-        </p:nvSpPr>
-        <p:spPr>
-          <a:xfrm>
-            <a:off x="3929058" y="4197062"/>
-            <a:ext cx="1571636" cy="607430"/>
-          </a:xfrm>
-          <a:prstGeom prst="rect">
-            <a:avLst/>
-          </a:prstGeom>
-        </p:spPr>
-        <p:style>
-          <a:lnRef idx="3">
-            <a:schemeClr val="lt1"/>
-          </a:lnRef>
-          <a:fillRef idx="1">
-            <a:schemeClr val="accent6"/>
-          </a:fillRef>
-          <a:effectRef idx="1">
-            <a:schemeClr val="accent6"/>
-          </a:effectRef>
-          <a:fontRef idx="minor">
-            <a:schemeClr val="lt1"/>
-          </a:fontRef>
-        </p:style>
-        <p:txBody>
-          <a:bodyPr rtlCol="0" anchor="ctr"/>
-          <a:lstStyle/>
-          <a:p>
+              <a:t>寻找抱团</a:t>
+            </a:r>
+            <a:r>
+              <a:rPr lang="en-US" altLang="zh-CN" sz="1200" dirty="0" smtClean="0"/>
+              <a:t>/</a:t>
+            </a:r>
             <a:r>
               <a:rPr lang="zh-CN" altLang="en-US" sz="1200" dirty="0" smtClean="0"/>
-              <a:t>情绪强</a:t>
+              <a:t>避险</a:t>
             </a:r>
             <a:r>
               <a:rPr lang="en-US" altLang="zh-CN" sz="1200" dirty="0" smtClean="0"/>
-              <a:t>(</a:t>
+              <a:t>/</a:t>
             </a:r>
             <a:r>
               <a:rPr lang="zh-CN" altLang="en-US" sz="1200" dirty="0" smtClean="0"/>
-              <a:t>盘面观察</a:t>
+              <a:t>新题材</a:t>
             </a:r>
             <a:r>
               <a:rPr lang="en-US" altLang="zh-CN" sz="1200" dirty="0" smtClean="0"/>
-              <a:t>)</a:t>
-            </a:r>
-          </a:p>
-          <a:p>
+              <a:t>/</a:t>
+            </a:r>
             <a:r>
               <a:rPr lang="zh-CN" altLang="en-US" sz="1200" dirty="0" smtClean="0"/>
-              <a:t>强的加速 弱的反包</a:t>
-            </a:r>
-            <a:endParaRPr lang="en-US" altLang="zh-CN" sz="1200" dirty="0" smtClean="0"/>
-          </a:p>
-        </p:txBody>
-      </p:sp>
-      <p:sp>
-        <p:nvSpPr>
-          <p:cNvPr id="10" name="矩形 9"/>
-          <p:cNvSpPr/>
-          <p:nvPr/>
-        </p:nvSpPr>
-        <p:spPr>
-          <a:xfrm>
-            <a:off x="62146" y="4938076"/>
-            <a:ext cx="2000264" cy="1071570"/>
-          </a:xfrm>
-          <a:prstGeom prst="rect">
-            <a:avLst/>
-          </a:prstGeom>
-          <a:noFill/>
-        </p:spPr>
-        <p:style>
-          <a:lnRef idx="2">
-            <a:schemeClr val="accent1">
-              <a:shade val="50000"/>
-            </a:schemeClr>
-          </a:lnRef>
-          <a:fillRef idx="1">
-            <a:schemeClr val="accent1"/>
-          </a:fillRef>
-          <a:effectRef idx="0">
-            <a:schemeClr val="accent1"/>
-          </a:effectRef>
-          <a:fontRef idx="minor">
-            <a:schemeClr val="lt1"/>
-          </a:fontRef>
-        </p:style>
-        <p:txBody>
-          <a:bodyPr rtlCol="0" anchor="ctr"/>
-          <a:lstStyle/>
-          <a:p>
-            <a:pPr algn="ctr"/>
-            <a:endParaRPr lang="zh-CN" altLang="en-US"/>
-          </a:p>
-        </p:txBody>
-      </p:sp>
-      <p:sp>
-        <p:nvSpPr>
-          <p:cNvPr id="11" name="矩形 10"/>
-          <p:cNvSpPr/>
-          <p:nvPr/>
-        </p:nvSpPr>
-        <p:spPr>
-          <a:xfrm>
-            <a:off x="71406" y="6125474"/>
-            <a:ext cx="2000264" cy="714380"/>
-          </a:xfrm>
-          <a:prstGeom prst="rect">
-            <a:avLst/>
-          </a:prstGeom>
-          <a:noFill/>
-        </p:spPr>
-        <p:style>
-          <a:lnRef idx="2">
-            <a:schemeClr val="accent1">
-              <a:shade val="50000"/>
-            </a:schemeClr>
-          </a:lnRef>
-          <a:fillRef idx="1">
-            <a:schemeClr val="accent1"/>
-          </a:fillRef>
-          <a:effectRef idx="0">
-            <a:schemeClr val="accent1"/>
-          </a:effectRef>
-          <a:fontRef idx="minor">
-            <a:schemeClr val="lt1"/>
-          </a:fontRef>
-        </p:style>
-        <p:txBody>
-          <a:bodyPr rtlCol="0" anchor="ctr"/>
-          <a:lstStyle/>
-          <a:p>
-            <a:pPr algn="ctr"/>
-            <a:endParaRPr lang="zh-CN" altLang="en-US"/>
-          </a:p>
-        </p:txBody>
-      </p:sp>
-      <p:sp>
-        <p:nvSpPr>
-          <p:cNvPr id="12" name="矩形 11"/>
-          <p:cNvSpPr/>
-          <p:nvPr/>
-        </p:nvSpPr>
-        <p:spPr>
-          <a:xfrm>
-            <a:off x="3929058" y="6179156"/>
-            <a:ext cx="1214446" cy="607430"/>
-          </a:xfrm>
-          <a:prstGeom prst="rect">
-            <a:avLst/>
-          </a:prstGeom>
-        </p:spPr>
-        <p:style>
-          <a:lnRef idx="3">
-            <a:schemeClr val="lt1"/>
-          </a:lnRef>
-          <a:fillRef idx="1">
-            <a:schemeClr val="accent6"/>
-          </a:fillRef>
-          <a:effectRef idx="1">
-            <a:schemeClr val="accent6"/>
-          </a:effectRef>
-          <a:fontRef idx="minor">
-            <a:schemeClr val="lt1"/>
-          </a:fontRef>
-        </p:style>
-        <p:txBody>
-          <a:bodyPr rtlCol="0" anchor="ctr"/>
-          <a:lstStyle/>
-          <a:p>
-            <a:r>
-              <a:rPr lang="zh-CN" altLang="en-US" sz="1200" dirty="0" smtClean="0"/>
-              <a:t>情绪不强也不弱 做低不做高</a:t>
+              <a:t>低位板块效应</a:t>
             </a:r>
             <a:endParaRPr lang="en-US" altLang="zh-CN" sz="1200" dirty="0" smtClean="0"/>
           </a:p>
@@ -8220,93 +9086,17 @@
       </p:sp>
       <p:cxnSp>
         <p:nvCxnSpPr>
-          <p:cNvPr id="14" name="肘形连接符 13"/>
+          <p:cNvPr id="9" name="肘形连接符 8"/>
           <p:cNvCxnSpPr>
             <a:stCxn id="6" idx="3"/>
-            <a:endCxn id="9" idx="1"/>
+            <a:endCxn id="7" idx="1"/>
           </p:cNvCxnSpPr>
           <p:nvPr/>
         </p:nvCxnSpPr>
         <p:spPr>
-          <a:xfrm>
-            <a:off x="2071670" y="4500570"/>
-            <a:ext cx="1857388" cy="207"/>
-          </a:xfrm>
-          <a:prstGeom prst="bentConnector3">
-            <a:avLst>
-              <a:gd name="adj1" fmla="val 50000"/>
-            </a:avLst>
-          </a:prstGeom>
-          <a:ln>
-            <a:tailEnd type="arrow"/>
-          </a:ln>
-        </p:spPr>
-        <p:style>
-          <a:lnRef idx="1">
-            <a:schemeClr val="accent6"/>
-          </a:lnRef>
-          <a:fillRef idx="0">
-            <a:schemeClr val="accent6"/>
-          </a:fillRef>
-          <a:effectRef idx="0">
-            <a:schemeClr val="accent6"/>
-          </a:effectRef>
-          <a:fontRef idx="minor">
-            <a:schemeClr val="tx1"/>
-          </a:fontRef>
-        </p:style>
-      </p:cxnSp>
-      <p:cxnSp>
-        <p:nvCxnSpPr>
-          <p:cNvPr id="16" name="肘形连接符 15"/>
-          <p:cNvCxnSpPr>
-            <a:stCxn id="10" idx="3"/>
-            <a:endCxn id="8" idx="1"/>
-          </p:cNvCxnSpPr>
-          <p:nvPr/>
-        </p:nvCxnSpPr>
-        <p:spPr>
-          <a:xfrm>
-            <a:off x="2062410" y="5473861"/>
-            <a:ext cx="1866648" cy="1588"/>
-          </a:xfrm>
-          <a:prstGeom prst="bentConnector3">
-            <a:avLst>
-              <a:gd name="adj1" fmla="val 50000"/>
-            </a:avLst>
-          </a:prstGeom>
-          <a:ln>
-            <a:tailEnd type="arrow"/>
-          </a:ln>
-        </p:spPr>
-        <p:style>
-          <a:lnRef idx="1">
-            <a:schemeClr val="accent6"/>
-          </a:lnRef>
-          <a:fillRef idx="0">
-            <a:schemeClr val="accent6"/>
-          </a:fillRef>
-          <a:effectRef idx="0">
-            <a:schemeClr val="accent6"/>
-          </a:effectRef>
-          <a:fontRef idx="minor">
-            <a:schemeClr val="tx1"/>
-          </a:fontRef>
-        </p:style>
-      </p:cxnSp>
-      <p:cxnSp>
-        <p:nvCxnSpPr>
-          <p:cNvPr id="18" name="肘形连接符 17"/>
-          <p:cNvCxnSpPr>
-            <a:stCxn id="11" idx="3"/>
-            <a:endCxn id="12" idx="1"/>
-          </p:cNvCxnSpPr>
-          <p:nvPr/>
-        </p:nvCxnSpPr>
-        <p:spPr>
-          <a:xfrm>
-            <a:off x="2071670" y="6482664"/>
-            <a:ext cx="1857388" cy="207"/>
+          <a:xfrm flipV="1">
+            <a:off x="3071802" y="1714281"/>
+            <a:ext cx="1571636" cy="207"/>
           </a:xfrm>
           <a:prstGeom prst="bentConnector3">
             <a:avLst>
